--- a/lectures/11 - Визуализация теней.pptx
+++ b/lectures/11 - Визуализация теней.pptx
@@ -5,7 +5,7 @@
     <p:sldMasterId id="2147483672" r:id="rId1"/>
   </p:sldMasterIdLst>
   <p:notesMasterIdLst>
-    <p:notesMasterId r:id="rId48"/>
+    <p:notesMasterId r:id="rId51"/>
   </p:notesMasterIdLst>
   <p:sldIdLst>
     <p:sldId id="256" r:id="rId2"/>
@@ -43,17 +43,20 @@
     <p:sldId id="291" r:id="rId34"/>
     <p:sldId id="292" r:id="rId35"/>
     <p:sldId id="303" r:id="rId36"/>
-    <p:sldId id="298" r:id="rId37"/>
-    <p:sldId id="299" r:id="rId38"/>
-    <p:sldId id="300" r:id="rId39"/>
-    <p:sldId id="304" r:id="rId40"/>
-    <p:sldId id="302" r:id="rId41"/>
-    <p:sldId id="305" r:id="rId42"/>
-    <p:sldId id="309" r:id="rId43"/>
-    <p:sldId id="306" r:id="rId44"/>
-    <p:sldId id="307" r:id="rId45"/>
-    <p:sldId id="308" r:id="rId46"/>
-    <p:sldId id="289" r:id="rId47"/>
+    <p:sldId id="314" r:id="rId37"/>
+    <p:sldId id="298" r:id="rId38"/>
+    <p:sldId id="299" r:id="rId39"/>
+    <p:sldId id="300" r:id="rId40"/>
+    <p:sldId id="304" r:id="rId41"/>
+    <p:sldId id="302" r:id="rId42"/>
+    <p:sldId id="305" r:id="rId43"/>
+    <p:sldId id="309" r:id="rId44"/>
+    <p:sldId id="306" r:id="rId45"/>
+    <p:sldId id="307" r:id="rId46"/>
+    <p:sldId id="312" r:id="rId47"/>
+    <p:sldId id="313" r:id="rId48"/>
+    <p:sldId id="308" r:id="rId49"/>
+    <p:sldId id="289" r:id="rId50"/>
   </p:sldIdLst>
   <p:sldSz cx="12192000" cy="6858000"/>
   <p:notesSz cx="6858000" cy="9144000"/>
@@ -253,7 +256,7 @@
           <a:p>
             <a:fld id="{04FBD475-CDA8-4E6D-B6E4-3975D3C44030}" type="datetimeFigureOut">
               <a:rPr lang="en-US" smtClean="0"/>
-              <a:t>8/18/2024</a:t>
+              <a:t>5/20/2025</a:t>
             </a:fld>
             <a:endParaRPr lang="en-US"/>
           </a:p>
@@ -752,7 +755,7 @@
             <a:fld id="{F3763445-B0B9-48B1-81B7-B7BCBC84F2F4}" type="datetimeFigureOut">
               <a:rPr lang="ru-RU" smtClean="0"/>
               <a:pPr/>
-              <a:t>18.08.2024</a:t>
+              <a:t>20.05.2025</a:t>
             </a:fld>
             <a:endParaRPr lang="ru-RU"/>
           </a:p>
@@ -952,7 +955,7 @@
             <a:fld id="{F3763445-B0B9-48B1-81B7-B7BCBC84F2F4}" type="datetimeFigureOut">
               <a:rPr lang="ru-RU" smtClean="0"/>
               <a:pPr/>
-              <a:t>18.08.2024</a:t>
+              <a:t>20.05.2025</a:t>
             </a:fld>
             <a:endParaRPr lang="ru-RU"/>
           </a:p>
@@ -1162,7 +1165,7 @@
             <a:fld id="{F3763445-B0B9-48B1-81B7-B7BCBC84F2F4}" type="datetimeFigureOut">
               <a:rPr lang="ru-RU" smtClean="0"/>
               <a:pPr/>
-              <a:t>18.08.2024</a:t>
+              <a:t>20.05.2025</a:t>
             </a:fld>
             <a:endParaRPr lang="ru-RU"/>
           </a:p>
@@ -1362,7 +1365,7 @@
             <a:fld id="{F3763445-B0B9-48B1-81B7-B7BCBC84F2F4}" type="datetimeFigureOut">
               <a:rPr lang="ru-RU" smtClean="0"/>
               <a:pPr/>
-              <a:t>18.08.2024</a:t>
+              <a:t>20.05.2025</a:t>
             </a:fld>
             <a:endParaRPr lang="ru-RU"/>
           </a:p>
@@ -1639,7 +1642,7 @@
             <a:fld id="{F3763445-B0B9-48B1-81B7-B7BCBC84F2F4}" type="datetimeFigureOut">
               <a:rPr lang="ru-RU" smtClean="0"/>
               <a:pPr/>
-              <a:t>18.08.2024</a:t>
+              <a:t>20.05.2025</a:t>
             </a:fld>
             <a:endParaRPr lang="ru-RU"/>
           </a:p>
@@ -1906,7 +1909,7 @@
             <a:fld id="{F3763445-B0B9-48B1-81B7-B7BCBC84F2F4}" type="datetimeFigureOut">
               <a:rPr lang="ru-RU" smtClean="0"/>
               <a:pPr/>
-              <a:t>18.08.2024</a:t>
+              <a:t>20.05.2025</a:t>
             </a:fld>
             <a:endParaRPr lang="ru-RU"/>
           </a:p>
@@ -2320,7 +2323,7 @@
             <a:fld id="{F3763445-B0B9-48B1-81B7-B7BCBC84F2F4}" type="datetimeFigureOut">
               <a:rPr lang="ru-RU" smtClean="0"/>
               <a:pPr/>
-              <a:t>18.08.2024</a:t>
+              <a:t>20.05.2025</a:t>
             </a:fld>
             <a:endParaRPr lang="ru-RU"/>
           </a:p>
@@ -2463,7 +2466,7 @@
             <a:fld id="{F3763445-B0B9-48B1-81B7-B7BCBC84F2F4}" type="datetimeFigureOut">
               <a:rPr lang="ru-RU" smtClean="0"/>
               <a:pPr/>
-              <a:t>18.08.2024</a:t>
+              <a:t>20.05.2025</a:t>
             </a:fld>
             <a:endParaRPr lang="ru-RU"/>
           </a:p>
@@ -2578,7 +2581,7 @@
             <a:fld id="{F3763445-B0B9-48B1-81B7-B7BCBC84F2F4}" type="datetimeFigureOut">
               <a:rPr lang="ru-RU" smtClean="0"/>
               <a:pPr/>
-              <a:t>18.08.2024</a:t>
+              <a:t>20.05.2025</a:t>
             </a:fld>
             <a:endParaRPr lang="ru-RU"/>
           </a:p>
@@ -2891,7 +2894,7 @@
             <a:fld id="{F3763445-B0B9-48B1-81B7-B7BCBC84F2F4}" type="datetimeFigureOut">
               <a:rPr lang="ru-RU" smtClean="0"/>
               <a:pPr/>
-              <a:t>18.08.2024</a:t>
+              <a:t>20.05.2025</a:t>
             </a:fld>
             <a:endParaRPr lang="ru-RU"/>
           </a:p>
@@ -3181,7 +3184,7 @@
             <a:fld id="{F3763445-B0B9-48B1-81B7-B7BCBC84F2F4}" type="datetimeFigureOut">
               <a:rPr lang="ru-RU" smtClean="0"/>
               <a:pPr/>
-              <a:t>18.08.2024</a:t>
+              <a:t>20.05.2025</a:t>
             </a:fld>
             <a:endParaRPr lang="ru-RU"/>
           </a:p>
@@ -3424,7 +3427,7 @@
             <a:fld id="{F3763445-B0B9-48B1-81B7-B7BCBC84F2F4}" type="datetimeFigureOut">
               <a:rPr lang="ru-RU" smtClean="0"/>
               <a:pPr/>
-              <a:t>18.08.2024</a:t>
+              <a:t>20.05.2025</a:t>
             </a:fld>
             <a:endParaRPr lang="ru-RU"/>
           </a:p>
@@ -23910,14 +23913,20 @@
       </p:sp>
       <p:sp>
         <p:nvSpPr>
-          <p:cNvPr id="8" name="TextBox 7"/>
+          <p:cNvPr id="3" name="TextBox 2">
+            <a:extLst>
+              <a:ext uri="{FF2B5EF4-FFF2-40B4-BE49-F238E27FC236}">
+                <a16:creationId xmlns:a16="http://schemas.microsoft.com/office/drawing/2014/main" id="{A3550049-7AC6-7CB6-ADE9-11934BAE2337}"/>
+              </a:ext>
+            </a:extLst>
+          </p:cNvPr>
           <p:cNvSpPr txBox="1"/>
           <p:nvPr/>
         </p:nvSpPr>
         <p:spPr>
           <a:xfrm>
-            <a:off x="1847528" y="1556792"/>
-            <a:ext cx="7920880" cy="4770537"/>
+            <a:off x="807869" y="1412776"/>
+            <a:ext cx="10153128" cy="5078313"/>
           </a:xfrm>
           <a:prstGeom prst="rect">
             <a:avLst/>
@@ -23925,458 +23934,765 @@
           <a:noFill/>
         </p:spPr>
         <p:txBody>
-          <a:bodyPr wrap="square" rtlCol="0">
+          <a:bodyPr wrap="square">
             <a:spAutoFit/>
           </a:bodyPr>
           <a:lstStyle/>
           <a:p>
-            <a:pPr defTabSz="358775"/>
-            <a:r>
-              <a:rPr lang="en-US" sz="1600" dirty="0">
-                <a:latin typeface="Courier New" pitchFamily="49" charset="0"/>
-                <a:cs typeface="Courier New" pitchFamily="49" charset="0"/>
+            <a:pPr>
+              <a:buNone/>
+            </a:pPr>
+            <a:r>
+              <a:rPr lang="ru-RU" b="0" dirty="0">
+                <a:solidFill>
+                  <a:srgbClr val="008000"/>
+                </a:solidFill>
+                <a:effectLst/>
+                <a:latin typeface="Consolas" panose="020B0609020204030204" pitchFamily="49" charset="0"/>
               </a:rPr>
-              <a:t>//</a:t>
-            </a:r>
-            <a:r>
-              <a:rPr lang="ru-RU" sz="1600" dirty="0">
-                <a:latin typeface="Courier New" pitchFamily="49" charset="0"/>
-                <a:cs typeface="Courier New" pitchFamily="49" charset="0"/>
+              <a:t>// источник света в системе координат наблюдателя</a:t>
+            </a:r>
+            <a:endParaRPr lang="ru-RU" b="0" dirty="0">
+              <a:solidFill>
+                <a:srgbClr val="000000"/>
+              </a:solidFill>
+              <a:effectLst/>
+              <a:latin typeface="Consolas" panose="020B0609020204030204" pitchFamily="49" charset="0"/>
+            </a:endParaRPr>
+          </a:p>
+          <a:p>
+            <a:pPr>
+              <a:buNone/>
+            </a:pPr>
+            <a:r>
+              <a:rPr lang="en-US" b="0" dirty="0">
+                <a:solidFill>
+                  <a:srgbClr val="0000FF"/>
+                </a:solidFill>
+                <a:effectLst/>
+                <a:latin typeface="Consolas" panose="020B0609020204030204" pitchFamily="49" charset="0"/>
               </a:rPr>
-              <a:t> источник света в системе координат наблюдателя</a:t>
-            </a:r>
-          </a:p>
-          <a:p>
-            <a:pPr defTabSz="358775"/>
-            <a:r>
-              <a:rPr lang="en-US" sz="1600" b="1" dirty="0">
-                <a:latin typeface="Courier New" pitchFamily="49" charset="0"/>
-                <a:cs typeface="Courier New" pitchFamily="49" charset="0"/>
+              <a:t>uniform</a:t>
+            </a:r>
+            <a:r>
+              <a:rPr lang="en-US" b="0" dirty="0">
+                <a:solidFill>
+                  <a:srgbClr val="000000"/>
+                </a:solidFill>
+                <a:effectLst/>
+                <a:latin typeface="Consolas" panose="020B0609020204030204" pitchFamily="49" charset="0"/>
               </a:rPr>
-              <a:t>uniform vec4 </a:t>
-            </a:r>
-            <a:r>
-              <a:rPr lang="en-US" sz="1600" b="1" dirty="0" err="1">
-                <a:latin typeface="Courier New" pitchFamily="49" charset="0"/>
-                <a:cs typeface="Courier New" pitchFamily="49" charset="0"/>
+              <a:t> </a:t>
+            </a:r>
+            <a:r>
+              <a:rPr lang="en-US" b="0" dirty="0">
+                <a:solidFill>
+                  <a:srgbClr val="0000FF"/>
+                </a:solidFill>
+                <a:effectLst/>
+                <a:latin typeface="Consolas" panose="020B0609020204030204" pitchFamily="49" charset="0"/>
+              </a:rPr>
+              <a:t>vec4</a:t>
+            </a:r>
+            <a:r>
+              <a:rPr lang="en-US" b="0" dirty="0">
+                <a:solidFill>
+                  <a:srgbClr val="000000"/>
+                </a:solidFill>
+                <a:effectLst/>
+                <a:latin typeface="Consolas" panose="020B0609020204030204" pitchFamily="49" charset="0"/>
+              </a:rPr>
+              <a:t> </a:t>
+            </a:r>
+            <a:r>
+              <a:rPr lang="en-US" b="0" dirty="0" err="1">
+                <a:solidFill>
+                  <a:srgbClr val="000000"/>
+                </a:solidFill>
+                <a:effectLst/>
+                <a:latin typeface="Consolas" panose="020B0609020204030204" pitchFamily="49" charset="0"/>
               </a:rPr>
               <a:t>LightPosition</a:t>
             </a:r>
             <a:r>
-              <a:rPr lang="en-US" sz="1600" b="1" dirty="0">
-                <a:latin typeface="Courier New" pitchFamily="49" charset="0"/>
-                <a:cs typeface="Courier New" pitchFamily="49" charset="0"/>
+              <a:rPr lang="en-US" b="0" dirty="0">
+                <a:solidFill>
+                  <a:srgbClr val="000000"/>
+                </a:solidFill>
+                <a:effectLst/>
+                <a:latin typeface="Consolas" panose="020B0609020204030204" pitchFamily="49" charset="0"/>
               </a:rPr>
               <a:t>;</a:t>
             </a:r>
-            <a:endParaRPr lang="ru-RU" sz="1600" b="1" dirty="0">
-              <a:latin typeface="Courier New" pitchFamily="49" charset="0"/>
-              <a:cs typeface="Courier New" pitchFamily="49" charset="0"/>
+          </a:p>
+          <a:p>
+            <a:pPr>
+              <a:buNone/>
+            </a:pPr>
+            <a:r>
+              <a:rPr lang="en-US" b="0" dirty="0">
+                <a:solidFill>
+                  <a:srgbClr val="008000"/>
+                </a:solidFill>
+                <a:effectLst/>
+                <a:latin typeface="Consolas" panose="020B0609020204030204" pitchFamily="49" charset="0"/>
+              </a:rPr>
+              <a:t>// </a:t>
+            </a:r>
+            <a:r>
+              <a:rPr lang="ru-RU" b="0" dirty="0">
+                <a:solidFill>
+                  <a:srgbClr val="008000"/>
+                </a:solidFill>
+                <a:effectLst/>
+                <a:latin typeface="Consolas" panose="020B0609020204030204" pitchFamily="49" charset="0"/>
+              </a:rPr>
+              <a:t>Степень "Вытягивания" полигонов</a:t>
+            </a:r>
+            <a:endParaRPr lang="ru-RU" b="0" dirty="0">
+              <a:solidFill>
+                <a:srgbClr val="000000"/>
+              </a:solidFill>
+              <a:effectLst/>
+              <a:latin typeface="Consolas" panose="020B0609020204030204" pitchFamily="49" charset="0"/>
             </a:endParaRPr>
           </a:p>
           <a:p>
-            <a:pPr defTabSz="358775"/>
-            <a:r>
-              <a:rPr lang="en-US" sz="1600" dirty="0">
-                <a:latin typeface="Courier New" pitchFamily="49" charset="0"/>
-                <a:cs typeface="Courier New" pitchFamily="49" charset="0"/>
+            <a:pPr>
+              <a:buNone/>
+            </a:pPr>
+            <a:r>
+              <a:rPr lang="en-US" b="0" dirty="0">
+                <a:solidFill>
+                  <a:srgbClr val="0000FF"/>
+                </a:solidFill>
+                <a:effectLst/>
+                <a:latin typeface="Consolas" panose="020B0609020204030204" pitchFamily="49" charset="0"/>
               </a:rPr>
-              <a:t>//</a:t>
-            </a:r>
-            <a:r>
-              <a:rPr lang="ru-RU" sz="1600" dirty="0">
-                <a:latin typeface="Courier New" pitchFamily="49" charset="0"/>
-                <a:cs typeface="Courier New" pitchFamily="49" charset="0"/>
+              <a:t>uniform</a:t>
+            </a:r>
+            <a:r>
+              <a:rPr lang="en-US" b="0" dirty="0">
+                <a:solidFill>
+                  <a:srgbClr val="000000"/>
+                </a:solidFill>
+                <a:effectLst/>
+                <a:latin typeface="Consolas" panose="020B0609020204030204" pitchFamily="49" charset="0"/>
               </a:rPr>
-              <a:t> Степень </a:t>
-            </a:r>
-            <a:r>
-              <a:rPr lang="en-US" sz="1600" dirty="0">
-                <a:latin typeface="Courier New" pitchFamily="49" charset="0"/>
-                <a:cs typeface="Courier New" pitchFamily="49" charset="0"/>
+              <a:t> </a:t>
+            </a:r>
+            <a:r>
+              <a:rPr lang="en-US" b="0" dirty="0">
+                <a:solidFill>
+                  <a:srgbClr val="0000FF"/>
+                </a:solidFill>
+                <a:effectLst/>
+                <a:latin typeface="Consolas" panose="020B0609020204030204" pitchFamily="49" charset="0"/>
               </a:rPr>
-              <a:t>"</a:t>
-            </a:r>
-            <a:r>
-              <a:rPr lang="ru-RU" sz="1600" dirty="0">
-                <a:latin typeface="Courier New" pitchFamily="49" charset="0"/>
-                <a:cs typeface="Courier New" pitchFamily="49" charset="0"/>
+              <a:t>float</a:t>
+            </a:r>
+            <a:r>
+              <a:rPr lang="en-US" b="0" dirty="0">
+                <a:solidFill>
+                  <a:srgbClr val="000000"/>
+                </a:solidFill>
+                <a:effectLst/>
+                <a:latin typeface="Consolas" panose="020B0609020204030204" pitchFamily="49" charset="0"/>
               </a:rPr>
-              <a:t>Вытягивания</a:t>
-            </a:r>
-            <a:r>
-              <a:rPr lang="en-US" sz="1600" dirty="0">
-                <a:latin typeface="Courier New" pitchFamily="49" charset="0"/>
-                <a:cs typeface="Courier New" pitchFamily="49" charset="0"/>
-              </a:rPr>
-              <a:t>"</a:t>
-            </a:r>
-            <a:r>
-              <a:rPr lang="ru-RU" sz="1600" dirty="0">
-                <a:latin typeface="Courier New" pitchFamily="49" charset="0"/>
-                <a:cs typeface="Courier New" pitchFamily="49" charset="0"/>
-              </a:rPr>
-              <a:t> полигонов</a:t>
-            </a:r>
-            <a:endParaRPr lang="en-US" sz="1600" dirty="0">
-              <a:latin typeface="Courier New" pitchFamily="49" charset="0"/>
-              <a:cs typeface="Courier New" pitchFamily="49" charset="0"/>
-            </a:endParaRPr>
-          </a:p>
-          <a:p>
-            <a:pPr defTabSz="358775"/>
-            <a:r>
-              <a:rPr lang="en-US" sz="1600" b="1" dirty="0">
-                <a:latin typeface="Courier New" pitchFamily="49" charset="0"/>
-                <a:cs typeface="Courier New" pitchFamily="49" charset="0"/>
-              </a:rPr>
-              <a:t>uniform float </a:t>
-            </a:r>
-            <a:r>
-              <a:rPr lang="en-US" sz="1600" b="1" dirty="0" err="1">
-                <a:latin typeface="Courier New" pitchFamily="49" charset="0"/>
-                <a:cs typeface="Courier New" pitchFamily="49" charset="0"/>
+              <a:t> </a:t>
+            </a:r>
+            <a:r>
+              <a:rPr lang="en-US" b="0" dirty="0" err="1">
+                <a:solidFill>
+                  <a:srgbClr val="000000"/>
+                </a:solidFill>
+                <a:effectLst/>
+                <a:latin typeface="Consolas" panose="020B0609020204030204" pitchFamily="49" charset="0"/>
               </a:rPr>
               <a:t>ExtrusionFactor</a:t>
             </a:r>
             <a:r>
-              <a:rPr lang="en-US" sz="1600" b="1" dirty="0">
-                <a:latin typeface="Courier New" pitchFamily="49" charset="0"/>
-                <a:cs typeface="Courier New" pitchFamily="49" charset="0"/>
+              <a:rPr lang="en-US" b="0" dirty="0">
+                <a:solidFill>
+                  <a:srgbClr val="000000"/>
+                </a:solidFill>
+                <a:effectLst/>
+                <a:latin typeface="Consolas" panose="020B0609020204030204" pitchFamily="49" charset="0"/>
               </a:rPr>
               <a:t>;</a:t>
             </a:r>
           </a:p>
           <a:p>
-            <a:pPr defTabSz="358775"/>
-            <a:endParaRPr lang="en-US" sz="1600" b="1" dirty="0">
-              <a:latin typeface="Courier New" pitchFamily="49" charset="0"/>
-              <a:cs typeface="Courier New" pitchFamily="49" charset="0"/>
-            </a:endParaRPr>
-          </a:p>
-          <a:p>
-            <a:pPr defTabSz="358775"/>
-            <a:r>
-              <a:rPr lang="en-US" sz="1600" b="1" dirty="0">
-                <a:latin typeface="Courier New" pitchFamily="49" charset="0"/>
-                <a:cs typeface="Courier New" pitchFamily="49" charset="0"/>
+            <a:pPr>
+              <a:buNone/>
+            </a:pPr>
+            <a:br>
+              <a:rPr lang="en-US" b="0" dirty="0">
+                <a:solidFill>
+                  <a:srgbClr val="000000"/>
+                </a:solidFill>
+                <a:effectLst/>
+                <a:latin typeface="Consolas" panose="020B0609020204030204" pitchFamily="49" charset="0"/>
               </a:rPr>
-              <a:t>void main()</a:t>
-            </a:r>
-          </a:p>
-          <a:p>
-            <a:pPr defTabSz="358775"/>
-            <a:r>
-              <a:rPr lang="en-US" sz="1600" b="1" dirty="0">
-                <a:latin typeface="Courier New" pitchFamily="49" charset="0"/>
-                <a:cs typeface="Courier New" pitchFamily="49" charset="0"/>
+            </a:br>
+            <a:r>
+              <a:rPr lang="en-US" b="0" dirty="0">
+                <a:solidFill>
+                  <a:srgbClr val="0000FF"/>
+                </a:solidFill>
+                <a:effectLst/>
+                <a:latin typeface="Consolas" panose="020B0609020204030204" pitchFamily="49" charset="0"/>
+              </a:rPr>
+              <a:t>void</a:t>
+            </a:r>
+            <a:r>
+              <a:rPr lang="en-US" b="0" dirty="0">
+                <a:solidFill>
+                  <a:srgbClr val="000000"/>
+                </a:solidFill>
+                <a:effectLst/>
+                <a:latin typeface="Consolas" panose="020B0609020204030204" pitchFamily="49" charset="0"/>
+              </a:rPr>
+              <a:t> main()</a:t>
+            </a:r>
+          </a:p>
+          <a:p>
+            <a:pPr>
+              <a:buNone/>
+            </a:pPr>
+            <a:r>
+              <a:rPr lang="en-US" b="0" dirty="0">
+                <a:solidFill>
+                  <a:srgbClr val="000000"/>
+                </a:solidFill>
+                <a:effectLst/>
+                <a:latin typeface="Consolas" panose="020B0609020204030204" pitchFamily="49" charset="0"/>
               </a:rPr>
               <a:t>{</a:t>
             </a:r>
           </a:p>
           <a:p>
-            <a:pPr defTabSz="358775"/>
-            <a:r>
-              <a:rPr lang="en-US" sz="1600" b="1" dirty="0">
-                <a:latin typeface="Courier New" pitchFamily="49" charset="0"/>
-                <a:cs typeface="Courier New" pitchFamily="49" charset="0"/>
+            <a:pPr>
+              <a:buNone/>
+            </a:pPr>
+            <a:r>
+              <a:rPr lang="en-US" b="0" dirty="0">
+                <a:solidFill>
+                  <a:srgbClr val="000000"/>
+                </a:solidFill>
+                <a:effectLst/>
+                <a:latin typeface="Consolas" panose="020B0609020204030204" pitchFamily="49" charset="0"/>
               </a:rPr>
-              <a:t>	vec4 pos = (</a:t>
-            </a:r>
-            <a:r>
-              <a:rPr lang="en-US" sz="1600" b="1" dirty="0" err="1">
-                <a:latin typeface="Courier New" pitchFamily="49" charset="0"/>
-                <a:cs typeface="Courier New" pitchFamily="49" charset="0"/>
+              <a:t>    </a:t>
+            </a:r>
+            <a:r>
+              <a:rPr lang="en-US" b="0" dirty="0">
+                <a:solidFill>
+                  <a:srgbClr val="0000FF"/>
+                </a:solidFill>
+                <a:effectLst/>
+                <a:latin typeface="Consolas" panose="020B0609020204030204" pitchFamily="49" charset="0"/>
+              </a:rPr>
+              <a:t>vec4</a:t>
+            </a:r>
+            <a:r>
+              <a:rPr lang="en-US" b="0" dirty="0">
+                <a:solidFill>
+                  <a:srgbClr val="000000"/>
+                </a:solidFill>
+                <a:effectLst/>
+                <a:latin typeface="Consolas" panose="020B0609020204030204" pitchFamily="49" charset="0"/>
+              </a:rPr>
+              <a:t> pos = (</a:t>
+            </a:r>
+            <a:r>
+              <a:rPr lang="en-US" b="0" dirty="0" err="1">
+                <a:solidFill>
+                  <a:srgbClr val="1F377F"/>
+                </a:solidFill>
+                <a:effectLst/>
+                <a:latin typeface="Consolas" panose="020B0609020204030204" pitchFamily="49" charset="0"/>
               </a:rPr>
               <a:t>gl_ModelViewMatrix</a:t>
             </a:r>
             <a:r>
-              <a:rPr lang="en-US" sz="1600" b="1" dirty="0">
-                <a:latin typeface="Courier New" pitchFamily="49" charset="0"/>
-                <a:cs typeface="Courier New" pitchFamily="49" charset="0"/>
+              <a:rPr lang="en-US" b="0" dirty="0">
+                <a:solidFill>
+                  <a:srgbClr val="000000"/>
+                </a:solidFill>
+                <a:effectLst/>
+                <a:latin typeface="Consolas" panose="020B0609020204030204" pitchFamily="49" charset="0"/>
               </a:rPr>
               <a:t> * </a:t>
             </a:r>
             <a:r>
-              <a:rPr lang="en-US" sz="1600" b="1" dirty="0" err="1">
-                <a:latin typeface="Courier New" pitchFamily="49" charset="0"/>
-                <a:cs typeface="Courier New" pitchFamily="49" charset="0"/>
+              <a:rPr lang="en-US" b="0" dirty="0" err="1">
+                <a:solidFill>
+                  <a:srgbClr val="1F377F"/>
+                </a:solidFill>
+                <a:effectLst/>
+                <a:latin typeface="Consolas" panose="020B0609020204030204" pitchFamily="49" charset="0"/>
               </a:rPr>
               <a:t>gl_Vertex</a:t>
             </a:r>
             <a:r>
-              <a:rPr lang="en-US" sz="1600" b="1" dirty="0">
-                <a:latin typeface="Courier New" pitchFamily="49" charset="0"/>
-                <a:cs typeface="Courier New" pitchFamily="49" charset="0"/>
+              <a:rPr lang="en-US" b="0" dirty="0">
+                <a:solidFill>
+                  <a:srgbClr val="000000"/>
+                </a:solidFill>
+                <a:effectLst/>
+                <a:latin typeface="Consolas" panose="020B0609020204030204" pitchFamily="49" charset="0"/>
               </a:rPr>
               <a:t>);</a:t>
             </a:r>
           </a:p>
           <a:p>
-            <a:pPr defTabSz="358775"/>
-            <a:r>
-              <a:rPr lang="en-US" sz="1600" b="1" dirty="0">
-                <a:latin typeface="Courier New" pitchFamily="49" charset="0"/>
-                <a:cs typeface="Courier New" pitchFamily="49" charset="0"/>
+            <a:pPr>
+              <a:buNone/>
+            </a:pPr>
+            <a:r>
+              <a:rPr lang="en-US" b="0" dirty="0">
+                <a:solidFill>
+                  <a:srgbClr val="000000"/>
+                </a:solidFill>
+                <a:effectLst/>
+                <a:latin typeface="Consolas" panose="020B0609020204030204" pitchFamily="49" charset="0"/>
               </a:rPr>
-              <a:t>	vec4 l = </a:t>
-            </a:r>
-            <a:r>
-              <a:rPr lang="en-US" sz="1600" b="1" dirty="0" err="1">
-                <a:latin typeface="Courier New" pitchFamily="49" charset="0"/>
-                <a:cs typeface="Courier New" pitchFamily="49" charset="0"/>
+              <a:t>    </a:t>
+            </a:r>
+            <a:r>
+              <a:rPr lang="en-US" b="0" dirty="0">
+                <a:solidFill>
+                  <a:srgbClr val="0000FF"/>
+                </a:solidFill>
+                <a:effectLst/>
+                <a:latin typeface="Consolas" panose="020B0609020204030204" pitchFamily="49" charset="0"/>
+              </a:rPr>
+              <a:t>vec4</a:t>
+            </a:r>
+            <a:r>
+              <a:rPr lang="en-US" b="0" dirty="0">
+                <a:solidFill>
+                  <a:srgbClr val="000000"/>
+                </a:solidFill>
+                <a:effectLst/>
+                <a:latin typeface="Consolas" panose="020B0609020204030204" pitchFamily="49" charset="0"/>
+              </a:rPr>
+              <a:t> l = </a:t>
+            </a:r>
+            <a:r>
+              <a:rPr lang="en-US" b="0" dirty="0" err="1">
+                <a:solidFill>
+                  <a:srgbClr val="000000"/>
+                </a:solidFill>
+                <a:effectLst/>
+                <a:latin typeface="Consolas" panose="020B0609020204030204" pitchFamily="49" charset="0"/>
               </a:rPr>
               <a:t>LightPosition</a:t>
             </a:r>
             <a:r>
-              <a:rPr lang="en-US" sz="1600" b="1" dirty="0">
-                <a:latin typeface="Courier New" pitchFamily="49" charset="0"/>
-                <a:cs typeface="Courier New" pitchFamily="49" charset="0"/>
+              <a:rPr lang="en-US" b="0" dirty="0">
+                <a:solidFill>
+                  <a:srgbClr val="000000"/>
+                </a:solidFill>
+                <a:effectLst/>
+                <a:latin typeface="Consolas" panose="020B0609020204030204" pitchFamily="49" charset="0"/>
               </a:rPr>
               <a:t> – pos;</a:t>
             </a:r>
           </a:p>
           <a:p>
-            <a:pPr defTabSz="358775"/>
-            <a:endParaRPr lang="en-US" sz="1600" b="1" dirty="0">
-              <a:latin typeface="Courier New" pitchFamily="49" charset="0"/>
-              <a:cs typeface="Courier New" pitchFamily="49" charset="0"/>
-            </a:endParaRPr>
-          </a:p>
-          <a:p>
-            <a:pPr defTabSz="358775"/>
-            <a:r>
-              <a:rPr lang="en-US" sz="1600" b="1" dirty="0">
-                <a:latin typeface="Courier New" pitchFamily="49" charset="0"/>
-                <a:cs typeface="Courier New" pitchFamily="49" charset="0"/>
+            <a:pPr>
+              <a:buNone/>
+            </a:pPr>
+            <a:br>
+              <a:rPr lang="en-US" b="0" dirty="0">
+                <a:solidFill>
+                  <a:srgbClr val="000000"/>
+                </a:solidFill>
+                <a:effectLst/>
+                <a:latin typeface="Consolas" panose="020B0609020204030204" pitchFamily="49" charset="0"/>
               </a:rPr>
-              <a:t>	if (dot(</a:t>
-            </a:r>
-            <a:r>
-              <a:rPr lang="en-US" sz="1600" b="1" dirty="0" err="1">
-                <a:latin typeface="Courier New" pitchFamily="49" charset="0"/>
-                <a:cs typeface="Courier New" pitchFamily="49" charset="0"/>
+            </a:br>
+            <a:r>
+              <a:rPr lang="en-US" b="0" dirty="0">
+                <a:solidFill>
+                  <a:srgbClr val="000000"/>
+                </a:solidFill>
+                <a:effectLst/>
+                <a:latin typeface="Consolas" panose="020B0609020204030204" pitchFamily="49" charset="0"/>
+              </a:rPr>
+              <a:t>    </a:t>
+            </a:r>
+            <a:r>
+              <a:rPr lang="en-US" b="0" dirty="0">
+                <a:solidFill>
+                  <a:srgbClr val="8F08C4"/>
+                </a:solidFill>
+                <a:effectLst/>
+                <a:latin typeface="Consolas" panose="020B0609020204030204" pitchFamily="49" charset="0"/>
+              </a:rPr>
+              <a:t>if</a:t>
+            </a:r>
+            <a:r>
+              <a:rPr lang="en-US" b="0" dirty="0">
+                <a:solidFill>
+                  <a:srgbClr val="000000"/>
+                </a:solidFill>
+                <a:effectLst/>
+                <a:latin typeface="Consolas" panose="020B0609020204030204" pitchFamily="49" charset="0"/>
+              </a:rPr>
+              <a:t> (</a:t>
+            </a:r>
+            <a:r>
+              <a:rPr lang="en-US" b="0" dirty="0">
+                <a:solidFill>
+                  <a:srgbClr val="74531F"/>
+                </a:solidFill>
+                <a:effectLst/>
+                <a:latin typeface="Consolas" panose="020B0609020204030204" pitchFamily="49" charset="0"/>
+              </a:rPr>
+              <a:t>dot</a:t>
+            </a:r>
+            <a:r>
+              <a:rPr lang="en-US" b="0" dirty="0">
+                <a:solidFill>
+                  <a:srgbClr val="000000"/>
+                </a:solidFill>
+                <a:effectLst/>
+                <a:latin typeface="Consolas" panose="020B0609020204030204" pitchFamily="49" charset="0"/>
+              </a:rPr>
+              <a:t>(</a:t>
+            </a:r>
+            <a:r>
+              <a:rPr lang="en-US" b="0" dirty="0" err="1">
+                <a:solidFill>
+                  <a:srgbClr val="1F377F"/>
+                </a:solidFill>
+                <a:effectLst/>
+                <a:latin typeface="Consolas" panose="020B0609020204030204" pitchFamily="49" charset="0"/>
               </a:rPr>
               <a:t>gl_Normal</a:t>
             </a:r>
             <a:r>
-              <a:rPr lang="en-US" sz="1600" b="1" dirty="0">
-                <a:latin typeface="Courier New" pitchFamily="49" charset="0"/>
-                <a:cs typeface="Courier New" pitchFamily="49" charset="0"/>
+              <a:rPr lang="en-US" b="0" dirty="0">
+                <a:solidFill>
+                  <a:srgbClr val="000000"/>
+                </a:solidFill>
+                <a:effectLst/>
+                <a:latin typeface="Consolas" panose="020B0609020204030204" pitchFamily="49" charset="0"/>
               </a:rPr>
-              <a:t>, l) &lt; 0.0)</a:t>
-            </a:r>
-          </a:p>
-          <a:p>
-            <a:pPr defTabSz="358775"/>
-            <a:r>
-              <a:rPr lang="en-US" sz="1600" b="1" dirty="0">
-                <a:latin typeface="Courier New" pitchFamily="49" charset="0"/>
-                <a:cs typeface="Courier New" pitchFamily="49" charset="0"/>
+              <a:t>, l) &lt; </a:t>
+            </a:r>
+            <a:r>
+              <a:rPr lang="en-US" b="0" dirty="0">
+                <a:solidFill>
+                  <a:srgbClr val="098658"/>
+                </a:solidFill>
+                <a:effectLst/>
+                <a:latin typeface="Consolas" panose="020B0609020204030204" pitchFamily="49" charset="0"/>
               </a:rPr>
-              <a:t>	{</a:t>
-            </a:r>
-            <a:endParaRPr lang="ru-RU" sz="1600" b="1" dirty="0">
-              <a:latin typeface="Courier New" pitchFamily="49" charset="0"/>
-              <a:cs typeface="Courier New" pitchFamily="49" charset="0"/>
-            </a:endParaRPr>
-          </a:p>
-          <a:p>
-            <a:pPr defTabSz="358775"/>
-            <a:r>
-              <a:rPr lang="ru-RU" sz="1600" b="1" dirty="0">
-                <a:latin typeface="Courier New" pitchFamily="49" charset="0"/>
-                <a:cs typeface="Courier New" pitchFamily="49" charset="0"/>
+              <a:t>0.0</a:t>
+            </a:r>
+            <a:r>
+              <a:rPr lang="en-US" b="0" dirty="0">
+                <a:solidFill>
+                  <a:srgbClr val="000000"/>
+                </a:solidFill>
+                <a:effectLst/>
+                <a:latin typeface="Consolas" panose="020B0609020204030204" pitchFamily="49" charset="0"/>
               </a:rPr>
-              <a:t>		</a:t>
-            </a:r>
-            <a:r>
-              <a:rPr lang="en-US" sz="1600" dirty="0">
-                <a:latin typeface="Courier New" pitchFamily="49" charset="0"/>
-                <a:cs typeface="Courier New" pitchFamily="49" charset="0"/>
+              <a:t>)</a:t>
+            </a:r>
+          </a:p>
+          <a:p>
+            <a:pPr>
+              <a:buNone/>
+            </a:pPr>
+            <a:r>
+              <a:rPr lang="en-US" b="0" dirty="0">
+                <a:solidFill>
+                  <a:srgbClr val="000000"/>
+                </a:solidFill>
+                <a:effectLst/>
+                <a:latin typeface="Consolas" panose="020B0609020204030204" pitchFamily="49" charset="0"/>
               </a:rPr>
-              <a:t>//</a:t>
-            </a:r>
-            <a:r>
-              <a:rPr lang="ru-RU" sz="1600" dirty="0">
-                <a:latin typeface="Courier New" pitchFamily="49" charset="0"/>
-                <a:cs typeface="Courier New" pitchFamily="49" charset="0"/>
+              <a:t>    {</a:t>
+            </a:r>
+          </a:p>
+          <a:p>
+            <a:pPr>
+              <a:buNone/>
+            </a:pPr>
+            <a:r>
+              <a:rPr lang="en-US" b="0" dirty="0">
+                <a:solidFill>
+                  <a:srgbClr val="000000"/>
+                </a:solidFill>
+                <a:effectLst/>
+                <a:latin typeface="Consolas" panose="020B0609020204030204" pitchFamily="49" charset="0"/>
               </a:rPr>
-              <a:t> </a:t>
-            </a:r>
-            <a:r>
-              <a:rPr lang="en-US" sz="1600" dirty="0">
-                <a:latin typeface="Courier New" pitchFamily="49" charset="0"/>
-                <a:cs typeface="Courier New" pitchFamily="49" charset="0"/>
+              <a:t>        </a:t>
+            </a:r>
+            <a:r>
+              <a:rPr lang="en-US" b="0" dirty="0">
+                <a:solidFill>
+                  <a:srgbClr val="008000"/>
+                </a:solidFill>
+                <a:effectLst/>
+                <a:latin typeface="Consolas" panose="020B0609020204030204" pitchFamily="49" charset="0"/>
               </a:rPr>
-              <a:t>"</a:t>
-            </a:r>
-            <a:r>
-              <a:rPr lang="ru-RU" sz="1600" dirty="0">
-                <a:latin typeface="Courier New" pitchFamily="49" charset="0"/>
-                <a:cs typeface="Courier New" pitchFamily="49" charset="0"/>
+              <a:t>// "</a:t>
+            </a:r>
+            <a:r>
+              <a:rPr lang="ru-RU" b="0" dirty="0">
+                <a:solidFill>
+                  <a:srgbClr val="008000"/>
+                </a:solidFill>
+                <a:effectLst/>
+                <a:latin typeface="Consolas" panose="020B0609020204030204" pitchFamily="49" charset="0"/>
               </a:rPr>
-              <a:t>Вытягиваем</a:t>
-            </a:r>
-            <a:r>
-              <a:rPr lang="en-US" sz="1600" dirty="0">
-                <a:latin typeface="Courier New" pitchFamily="49" charset="0"/>
-                <a:cs typeface="Courier New" pitchFamily="49" charset="0"/>
-              </a:rPr>
-              <a:t>"</a:t>
-            </a:r>
-            <a:r>
-              <a:rPr lang="ru-RU" sz="1600" dirty="0">
-                <a:latin typeface="Courier New" pitchFamily="49" charset="0"/>
-                <a:cs typeface="Courier New" pitchFamily="49" charset="0"/>
-              </a:rPr>
-              <a:t> </a:t>
-            </a:r>
-            <a:r>
-              <a:rPr lang="ru-RU" sz="1600" dirty="0" err="1">
-                <a:latin typeface="Courier New" pitchFamily="49" charset="0"/>
-                <a:cs typeface="Courier New" pitchFamily="49" charset="0"/>
+              <a:t>Вытягиваем" </a:t>
+            </a:r>
+            <a:r>
+              <a:rPr lang="ru-RU" b="0" dirty="0" err="1">
+                <a:solidFill>
+                  <a:srgbClr val="008000"/>
+                </a:solidFill>
+                <a:effectLst/>
+                <a:latin typeface="Consolas" panose="020B0609020204030204" pitchFamily="49" charset="0"/>
               </a:rPr>
               <a:t>нелицевую</a:t>
             </a:r>
             <a:r>
-              <a:rPr lang="ru-RU" sz="1600" dirty="0">
-                <a:latin typeface="Courier New" pitchFamily="49" charset="0"/>
-                <a:cs typeface="Courier New" pitchFamily="49" charset="0"/>
+              <a:rPr lang="ru-RU" b="0" dirty="0">
+                <a:solidFill>
+                  <a:srgbClr val="008000"/>
+                </a:solidFill>
+                <a:effectLst/>
+                <a:latin typeface="Consolas" panose="020B0609020204030204" pitchFamily="49" charset="0"/>
               </a:rPr>
               <a:t> вершину</a:t>
             </a:r>
-            <a:endParaRPr lang="en-US" sz="1600" b="1" dirty="0">
-              <a:latin typeface="Courier New" pitchFamily="49" charset="0"/>
-              <a:cs typeface="Courier New" pitchFamily="49" charset="0"/>
+            <a:endParaRPr lang="ru-RU" b="0" dirty="0">
+              <a:solidFill>
+                <a:srgbClr val="000000"/>
+              </a:solidFill>
+              <a:effectLst/>
+              <a:latin typeface="Consolas" panose="020B0609020204030204" pitchFamily="49" charset="0"/>
             </a:endParaRPr>
           </a:p>
           <a:p>
-            <a:pPr defTabSz="358775"/>
-            <a:r>
-              <a:rPr lang="en-US" sz="1600" b="1" dirty="0">
-                <a:latin typeface="Courier New" pitchFamily="49" charset="0"/>
-                <a:cs typeface="Courier New" pitchFamily="49" charset="0"/>
+            <a:pPr>
+              <a:buNone/>
+            </a:pPr>
+            <a:r>
+              <a:rPr lang="ru-RU" b="0" dirty="0">
+                <a:solidFill>
+                  <a:srgbClr val="000000"/>
+                </a:solidFill>
+                <a:effectLst/>
+                <a:latin typeface="Consolas" panose="020B0609020204030204" pitchFamily="49" charset="0"/>
               </a:rPr>
-              <a:t>		pos -= l * </a:t>
-            </a:r>
-            <a:r>
-              <a:rPr lang="en-US" sz="1600" b="1" dirty="0" err="1">
-                <a:latin typeface="Courier New" pitchFamily="49" charset="0"/>
-                <a:cs typeface="Courier New" pitchFamily="49" charset="0"/>
+              <a:t>        </a:t>
+            </a:r>
+            <a:r>
+              <a:rPr lang="en-US" b="0" dirty="0">
+                <a:solidFill>
+                  <a:srgbClr val="000000"/>
+                </a:solidFill>
+                <a:effectLst/>
+                <a:latin typeface="Consolas" panose="020B0609020204030204" pitchFamily="49" charset="0"/>
+              </a:rPr>
+              <a:t>pos -= l * </a:t>
+            </a:r>
+            <a:r>
+              <a:rPr lang="en-US" b="0" dirty="0" err="1">
+                <a:solidFill>
+                  <a:srgbClr val="000000"/>
+                </a:solidFill>
+                <a:effectLst/>
+                <a:latin typeface="Consolas" panose="020B0609020204030204" pitchFamily="49" charset="0"/>
               </a:rPr>
               <a:t>ExtrustionFactor</a:t>
             </a:r>
             <a:r>
-              <a:rPr lang="en-US" sz="1600" b="1" dirty="0">
-                <a:latin typeface="Courier New" pitchFamily="49" charset="0"/>
-                <a:cs typeface="Courier New" pitchFamily="49" charset="0"/>
+              <a:rPr lang="en-US" b="0" dirty="0">
+                <a:solidFill>
+                  <a:srgbClr val="000000"/>
+                </a:solidFill>
+                <a:effectLst/>
+                <a:latin typeface="Consolas" panose="020B0609020204030204" pitchFamily="49" charset="0"/>
               </a:rPr>
               <a:t>;</a:t>
             </a:r>
           </a:p>
           <a:p>
-            <a:pPr defTabSz="358775"/>
-            <a:r>
-              <a:rPr lang="en-US" sz="1600" b="1" dirty="0">
-                <a:latin typeface="Courier New" pitchFamily="49" charset="0"/>
-                <a:cs typeface="Courier New" pitchFamily="49" charset="0"/>
+            <a:pPr>
+              <a:buNone/>
+            </a:pPr>
+            <a:r>
+              <a:rPr lang="en-US" b="0" dirty="0">
+                <a:solidFill>
+                  <a:srgbClr val="000000"/>
+                </a:solidFill>
+                <a:effectLst/>
+                <a:latin typeface="Consolas" panose="020B0609020204030204" pitchFamily="49" charset="0"/>
               </a:rPr>
-              <a:t>		</a:t>
-            </a:r>
-            <a:r>
-              <a:rPr lang="en-US" sz="1600" b="1" dirty="0" err="1">
-                <a:latin typeface="Courier New" pitchFamily="49" charset="0"/>
-                <a:cs typeface="Courier New" pitchFamily="49" charset="0"/>
+              <a:t>        </a:t>
+            </a:r>
+            <a:r>
+              <a:rPr lang="en-US" b="0" dirty="0" err="1">
+                <a:solidFill>
+                  <a:srgbClr val="000000"/>
+                </a:solidFill>
+                <a:effectLst/>
+                <a:latin typeface="Consolas" panose="020B0609020204030204" pitchFamily="49" charset="0"/>
               </a:rPr>
               <a:t>pos.w</a:t>
             </a:r>
             <a:r>
-              <a:rPr lang="en-US" sz="1600" b="1" dirty="0">
-                <a:latin typeface="Courier New" pitchFamily="49" charset="0"/>
-                <a:cs typeface="Courier New" pitchFamily="49" charset="0"/>
+              <a:rPr lang="en-US" b="0" dirty="0">
+                <a:solidFill>
+                  <a:srgbClr val="000000"/>
+                </a:solidFill>
+                <a:effectLst/>
+                <a:latin typeface="Consolas" panose="020B0609020204030204" pitchFamily="49" charset="0"/>
               </a:rPr>
-              <a:t> = 0.0;</a:t>
-            </a:r>
-            <a:r>
-              <a:rPr lang="ru-RU" sz="1600" dirty="0">
-                <a:latin typeface="Courier New" pitchFamily="49" charset="0"/>
-                <a:cs typeface="Courier New" pitchFamily="49" charset="0"/>
+              <a:t> = </a:t>
+            </a:r>
+            <a:r>
+              <a:rPr lang="en-US" b="0" dirty="0">
+                <a:solidFill>
+                  <a:srgbClr val="098658"/>
+                </a:solidFill>
+                <a:effectLst/>
+                <a:latin typeface="Consolas" panose="020B0609020204030204" pitchFamily="49" charset="0"/>
               </a:rPr>
-              <a:t> // направляем ее бесконечность</a:t>
-            </a:r>
-            <a:endParaRPr lang="en-US" sz="1600" dirty="0">
-              <a:latin typeface="Courier New" pitchFamily="49" charset="0"/>
-              <a:cs typeface="Courier New" pitchFamily="49" charset="0"/>
+              <a:t>0.0</a:t>
+            </a:r>
+            <a:r>
+              <a:rPr lang="en-US" b="0" dirty="0">
+                <a:solidFill>
+                  <a:srgbClr val="000000"/>
+                </a:solidFill>
+                <a:effectLst/>
+                <a:latin typeface="Consolas" panose="020B0609020204030204" pitchFamily="49" charset="0"/>
+              </a:rPr>
+              <a:t>; </a:t>
+            </a:r>
+            <a:r>
+              <a:rPr lang="en-US" b="0" dirty="0">
+                <a:solidFill>
+                  <a:srgbClr val="008000"/>
+                </a:solidFill>
+                <a:effectLst/>
+                <a:latin typeface="Consolas" panose="020B0609020204030204" pitchFamily="49" charset="0"/>
+              </a:rPr>
+              <a:t>// </a:t>
+            </a:r>
+            <a:r>
+              <a:rPr lang="ru-RU" b="0" dirty="0">
+                <a:solidFill>
+                  <a:srgbClr val="008000"/>
+                </a:solidFill>
+                <a:effectLst/>
+                <a:latin typeface="Consolas" panose="020B0609020204030204" pitchFamily="49" charset="0"/>
+              </a:rPr>
+              <a:t>направляем ее бесконечность</a:t>
+            </a:r>
+            <a:endParaRPr lang="ru-RU" b="0" dirty="0">
+              <a:solidFill>
+                <a:srgbClr val="000000"/>
+              </a:solidFill>
+              <a:effectLst/>
+              <a:latin typeface="Consolas" panose="020B0609020204030204" pitchFamily="49" charset="0"/>
             </a:endParaRPr>
           </a:p>
           <a:p>
-            <a:pPr defTabSz="358775"/>
-            <a:r>
-              <a:rPr lang="en-US" sz="1600" b="1" dirty="0">
-                <a:latin typeface="Courier New" pitchFamily="49" charset="0"/>
-                <a:cs typeface="Courier New" pitchFamily="49" charset="0"/>
+            <a:pPr>
+              <a:buNone/>
+            </a:pPr>
+            <a:r>
+              <a:rPr lang="ru-RU" b="0" dirty="0">
+                <a:solidFill>
+                  <a:srgbClr val="000000"/>
+                </a:solidFill>
+                <a:effectLst/>
+                <a:latin typeface="Consolas" panose="020B0609020204030204" pitchFamily="49" charset="0"/>
               </a:rPr>
-              <a:t>	}</a:t>
-            </a:r>
-          </a:p>
-          <a:p>
-            <a:pPr defTabSz="358775"/>
-            <a:br>
-              <a:rPr lang="en-US" sz="1600" b="1" dirty="0">
-                <a:latin typeface="Courier New" pitchFamily="49" charset="0"/>
-                <a:cs typeface="Courier New" pitchFamily="49" charset="0"/>
+              <a:t>    }</a:t>
+            </a:r>
+          </a:p>
+          <a:p>
+            <a:pPr>
+              <a:buNone/>
+            </a:pPr>
+            <a:r>
+              <a:rPr lang="ru-RU" b="0" dirty="0">
+                <a:solidFill>
+                  <a:srgbClr val="000000"/>
+                </a:solidFill>
+                <a:effectLst/>
+                <a:latin typeface="Consolas" panose="020B0609020204030204" pitchFamily="49" charset="0"/>
               </a:rPr>
-            </a:br>
-            <a:r>
-              <a:rPr lang="en-US" sz="1600" b="1" dirty="0">
-                <a:latin typeface="Courier New" pitchFamily="49" charset="0"/>
-                <a:cs typeface="Courier New" pitchFamily="49" charset="0"/>
-              </a:rPr>
-              <a:t>	</a:t>
-            </a:r>
-            <a:r>
-              <a:rPr lang="en-US" sz="1600" b="1" dirty="0" err="1">
-                <a:latin typeface="Courier New" pitchFamily="49" charset="0"/>
-                <a:cs typeface="Courier New" pitchFamily="49" charset="0"/>
+              <a:t>    </a:t>
+            </a:r>
+            <a:r>
+              <a:rPr lang="en-US" b="0" dirty="0" err="1">
+                <a:solidFill>
+                  <a:srgbClr val="1F377F"/>
+                </a:solidFill>
+                <a:effectLst/>
+                <a:latin typeface="Consolas" panose="020B0609020204030204" pitchFamily="49" charset="0"/>
               </a:rPr>
               <a:t>gl_Position</a:t>
             </a:r>
             <a:r>
-              <a:rPr lang="en-US" sz="1600" b="1" dirty="0">
-                <a:latin typeface="Courier New" pitchFamily="49" charset="0"/>
-                <a:cs typeface="Courier New" pitchFamily="49" charset="0"/>
+              <a:rPr lang="en-US" b="0" dirty="0">
+                <a:solidFill>
+                  <a:srgbClr val="000000"/>
+                </a:solidFill>
+                <a:effectLst/>
+                <a:latin typeface="Consolas" panose="020B0609020204030204" pitchFamily="49" charset="0"/>
               </a:rPr>
               <a:t> = </a:t>
             </a:r>
             <a:r>
-              <a:rPr lang="en-US" sz="1600" b="1" dirty="0" err="1">
-                <a:latin typeface="Courier New" pitchFamily="49" charset="0"/>
-                <a:cs typeface="Courier New" pitchFamily="49" charset="0"/>
+              <a:rPr lang="en-US" b="0" dirty="0" err="1">
+                <a:solidFill>
+                  <a:srgbClr val="1F377F"/>
+                </a:solidFill>
+                <a:effectLst/>
+                <a:latin typeface="Consolas" panose="020B0609020204030204" pitchFamily="49" charset="0"/>
               </a:rPr>
               <a:t>gl_ProjectionMatrix</a:t>
             </a:r>
             <a:r>
-              <a:rPr lang="en-US" sz="1600" b="1" dirty="0">
-                <a:latin typeface="Courier New" pitchFamily="49" charset="0"/>
-                <a:cs typeface="Courier New" pitchFamily="49" charset="0"/>
+              <a:rPr lang="en-US" b="0" dirty="0">
+                <a:solidFill>
+                  <a:srgbClr val="000000"/>
+                </a:solidFill>
+                <a:effectLst/>
+                <a:latin typeface="Consolas" panose="020B0609020204030204" pitchFamily="49" charset="0"/>
               </a:rPr>
               <a:t> * pos;</a:t>
             </a:r>
           </a:p>
           <a:p>
-            <a:pPr defTabSz="358775"/>
-            <a:r>
-              <a:rPr lang="en-US" sz="1600" b="1" dirty="0">
-                <a:latin typeface="Courier New" pitchFamily="49" charset="0"/>
-                <a:cs typeface="Courier New" pitchFamily="49" charset="0"/>
+            <a:pPr>
+              <a:buNone/>
+            </a:pPr>
+            <a:r>
+              <a:rPr lang="en-US" b="0" dirty="0">
+                <a:solidFill>
+                  <a:srgbClr val="000000"/>
+                </a:solidFill>
+                <a:effectLst/>
+                <a:latin typeface="Consolas" panose="020B0609020204030204" pitchFamily="49" charset="0"/>
               </a:rPr>
               <a:t>}</a:t>
             </a:r>
-            <a:endParaRPr lang="ru-RU" sz="1600" b="1" dirty="0">
-              <a:latin typeface="Courier New" pitchFamily="49" charset="0"/>
-              <a:cs typeface="Courier New" pitchFamily="49" charset="0"/>
-            </a:endParaRPr>
           </a:p>
         </p:txBody>
       </p:sp>
@@ -25002,6 +25318,148 @@
       </p:grpSpPr>
       <p:sp>
         <p:nvSpPr>
+          <p:cNvPr id="2" name="Title 1">
+            <a:extLst>
+              <a:ext uri="{FF2B5EF4-FFF2-40B4-BE49-F238E27FC236}">
+                <a16:creationId xmlns:a16="http://schemas.microsoft.com/office/drawing/2014/main" id="{85C129FD-FA29-7ABE-38ED-EE14DE75352B}"/>
+              </a:ext>
+            </a:extLst>
+          </p:cNvPr>
+          <p:cNvSpPr>
+            <a:spLocks noGrp="1"/>
+          </p:cNvSpPr>
+          <p:nvPr>
+            <p:ph type="title"/>
+          </p:nvPr>
+        </p:nvSpPr>
+        <p:spPr/>
+        <p:txBody>
+          <a:bodyPr/>
+          <a:lstStyle/>
+          <a:p>
+            <a:r>
+              <a:rPr lang="ru-RU" dirty="0"/>
+              <a:t>Построение теневого объема в геометрическом шейдере</a:t>
+            </a:r>
+            <a:endParaRPr lang="en-US" dirty="0"/>
+          </a:p>
+        </p:txBody>
+      </p:sp>
+      <p:sp>
+        <p:nvSpPr>
+          <p:cNvPr id="3" name="Content Placeholder 2">
+            <a:extLst>
+              <a:ext uri="{FF2B5EF4-FFF2-40B4-BE49-F238E27FC236}">
+                <a16:creationId xmlns:a16="http://schemas.microsoft.com/office/drawing/2014/main" id="{7469C1A4-07DA-8E1A-5192-556B73AF7B88}"/>
+              </a:ext>
+            </a:extLst>
+          </p:cNvPr>
+          <p:cNvSpPr>
+            <a:spLocks noGrp="1"/>
+          </p:cNvSpPr>
+          <p:nvPr>
+            <p:ph idx="1"/>
+          </p:nvPr>
+        </p:nvSpPr>
+        <p:spPr/>
+        <p:txBody>
+          <a:bodyPr/>
+          <a:lstStyle/>
+          <a:p>
+            <a:r>
+              <a:rPr lang="ru-RU" dirty="0"/>
+              <a:t>Идея – геометрический шейдер определяет контуры силуэта и вытягивает рёбра вдоль направления от источника света, создавая теневой объем из таких ребер</a:t>
+            </a:r>
+          </a:p>
+          <a:p>
+            <a:r>
+              <a:rPr lang="ru-RU" dirty="0"/>
+              <a:t>Достоинства</a:t>
+            </a:r>
+          </a:p>
+          <a:p>
+            <a:pPr lvl="1"/>
+            <a:r>
+              <a:rPr lang="ru-RU" dirty="0"/>
+              <a:t>Теневой объем строится без вмешательства </a:t>
+            </a:r>
+            <a:r>
+              <a:rPr lang="en-US" dirty="0"/>
+              <a:t>CPU</a:t>
+            </a:r>
+            <a:r>
+              <a:rPr lang="ru-RU" dirty="0"/>
+              <a:t>, требуется меньше вершин</a:t>
+            </a:r>
+          </a:p>
+          <a:p>
+            <a:r>
+              <a:rPr lang="ru-RU" dirty="0"/>
+              <a:t>Недостатки</a:t>
+            </a:r>
+          </a:p>
+          <a:p>
+            <a:pPr lvl="1"/>
+            <a:r>
+              <a:rPr lang="ru-RU" dirty="0"/>
+              <a:t>Требует поддержки геометрических шейдеров (нет в </a:t>
+            </a:r>
+            <a:r>
+              <a:rPr lang="en-US" dirty="0"/>
+              <a:t>WebGL)</a:t>
+            </a:r>
+            <a:endParaRPr lang="ru-RU" dirty="0"/>
+          </a:p>
+          <a:p>
+            <a:r>
+              <a:rPr lang="ru-RU" dirty="0"/>
+              <a:t>Статья «</a:t>
+            </a:r>
+            <a:r>
+              <a:rPr lang="en-US" dirty="0">
+                <a:hlinkClick r:id="rId2"/>
+              </a:rPr>
+              <a:t>Efficient and robust shadow volumes using hierarchical occlusion culling and geometry shaders</a:t>
+            </a:r>
+            <a:r>
+              <a:rPr lang="en-US" dirty="0"/>
+              <a:t>”</a:t>
+            </a:r>
+          </a:p>
+        </p:txBody>
+      </p:sp>
+    </p:spTree>
+    <p:extLst>
+      <p:ext uri="{BB962C8B-B14F-4D97-AF65-F5344CB8AC3E}">
+        <p14:creationId xmlns:p14="http://schemas.microsoft.com/office/powerpoint/2010/main" val="3362629409"/>
+      </p:ext>
+    </p:extLst>
+  </p:cSld>
+  <p:clrMapOvr>
+    <a:masterClrMapping/>
+  </p:clrMapOvr>
+</p:sld>
+</file>
+
+<file path=ppt/slides/slide37.xml><?xml version="1.0" encoding="utf-8"?>
+<p:sld xmlns:a="http://schemas.openxmlformats.org/drawingml/2006/main" xmlns:r="http://schemas.openxmlformats.org/officeDocument/2006/relationships" xmlns:p="http://schemas.openxmlformats.org/presentationml/2006/main">
+  <p:cSld>
+    <p:spTree>
+      <p:nvGrpSpPr>
+        <p:cNvPr id="1" name=""/>
+        <p:cNvGrpSpPr/>
+        <p:nvPr/>
+      </p:nvGrpSpPr>
+      <p:grpSpPr>
+        <a:xfrm>
+          <a:off x="0" y="0"/>
+          <a:ext cx="0" cy="0"/>
+          <a:chOff x="0" y="0"/>
+          <a:chExt cx="0" cy="0"/>
+        </a:xfrm>
+      </p:grpSpPr>
+      <p:sp>
+        <p:nvSpPr>
           <p:cNvPr id="3" name="Заголовок 2"/>
           <p:cNvSpPr>
             <a:spLocks noGrp="1"/>
@@ -25050,7 +25508,7 @@
 </p:sld>
 </file>
 
-<file path=ppt/slides/slide37.xml><?xml version="1.0" encoding="utf-8"?>
+<file path=ppt/slides/slide38.xml><?xml version="1.0" encoding="utf-8"?>
 <p:sld xmlns:a="http://schemas.openxmlformats.org/drawingml/2006/main" xmlns:r="http://schemas.openxmlformats.org/officeDocument/2006/relationships" xmlns:p="http://schemas.openxmlformats.org/presentationml/2006/main">
   <p:cSld>
     <p:spTree>
@@ -25336,7 +25794,7 @@
 </p:sld>
 </file>
 
-<file path=ppt/slides/slide38.xml><?xml version="1.0" encoding="utf-8"?>
+<file path=ppt/slides/slide39.xml><?xml version="1.0" encoding="utf-8"?>
 <p:sld xmlns:a="http://schemas.openxmlformats.org/drawingml/2006/main" xmlns:r="http://schemas.openxmlformats.org/officeDocument/2006/relationships" xmlns:p="http://schemas.openxmlformats.org/presentationml/2006/main">
   <p:cSld>
     <p:spTree>
@@ -25740,273 +26198,6 @@
       <p:bldP spid="3" grpId="0" build="p"/>
     </p:bldLst>
   </p:timing>
-</p:sld>
-</file>
-
-<file path=ppt/slides/slide39.xml><?xml version="1.0" encoding="utf-8"?>
-<p:sld xmlns:a="http://schemas.openxmlformats.org/drawingml/2006/main" xmlns:r="http://schemas.openxmlformats.org/officeDocument/2006/relationships" xmlns:p="http://schemas.openxmlformats.org/presentationml/2006/main">
-  <p:cSld>
-    <p:spTree>
-      <p:nvGrpSpPr>
-        <p:cNvPr id="1" name=""/>
-        <p:cNvGrpSpPr/>
-        <p:nvPr/>
-      </p:nvGrpSpPr>
-      <p:grpSpPr>
-        <a:xfrm>
-          <a:off x="0" y="0"/>
-          <a:ext cx="0" cy="0"/>
-          <a:chOff x="0" y="0"/>
-          <a:chExt cx="0" cy="0"/>
-        </a:xfrm>
-      </p:grpSpPr>
-      <p:sp>
-        <p:nvSpPr>
-          <p:cNvPr id="2" name="Заголовок 1"/>
-          <p:cNvSpPr>
-            <a:spLocks noGrp="1"/>
-          </p:cNvSpPr>
-          <p:nvPr>
-            <p:ph type="title"/>
-          </p:nvPr>
-        </p:nvSpPr>
-        <p:spPr/>
-        <p:txBody>
-          <a:bodyPr/>
-          <a:lstStyle/>
-          <a:p>
-            <a:endParaRPr lang="ru-RU"/>
-          </a:p>
-        </p:txBody>
-      </p:sp>
-      <p:pic>
-        <p:nvPicPr>
-          <p:cNvPr id="12290" name="Picture 2"/>
-          <p:cNvPicPr>
-            <a:picLocks noGrp="1" noChangeAspect="1" noChangeArrowheads="1"/>
-          </p:cNvPicPr>
-          <p:nvPr>
-            <p:ph idx="1"/>
-          </p:nvPr>
-        </p:nvPicPr>
-        <p:blipFill>
-          <a:blip r:embed="rId2" cstate="print"/>
-          <a:stretch>
-            <a:fillRect/>
-          </a:stretch>
-        </p:blipFill>
-        <p:spPr bwMode="auto">
-          <a:xfrm>
-            <a:off x="4640905" y="1825625"/>
-            <a:ext cx="2910189" cy="4351338"/>
-          </a:xfrm>
-          <a:prstGeom prst="rect">
-            <a:avLst/>
-          </a:prstGeom>
-          <a:noFill/>
-          <a:ln w="9525">
-            <a:noFill/>
-            <a:miter lim="800000"/>
-            <a:headEnd/>
-            <a:tailEnd/>
-          </a:ln>
-        </p:spPr>
-      </p:pic>
-      <p:sp>
-        <p:nvSpPr>
-          <p:cNvPr id="5" name="TextBox 4"/>
-          <p:cNvSpPr txBox="1"/>
-          <p:nvPr/>
-        </p:nvSpPr>
-        <p:spPr>
-          <a:xfrm>
-            <a:off x="1524001" y="2132856"/>
-            <a:ext cx="2989665" cy="369332"/>
-          </a:xfrm>
-          <a:prstGeom prst="rect">
-            <a:avLst/>
-          </a:prstGeom>
-          <a:noFill/>
-        </p:spPr>
-        <p:txBody>
-          <a:bodyPr wrap="none" rtlCol="0">
-            <a:spAutoFit/>
-          </a:bodyPr>
-          <a:lstStyle/>
-          <a:p>
-            <a:r>
-              <a:rPr lang="ru-RU" dirty="0"/>
-              <a:t>Вид сцены от наблюдателя</a:t>
-            </a:r>
-          </a:p>
-        </p:txBody>
-      </p:sp>
-      <p:sp>
-        <p:nvSpPr>
-          <p:cNvPr id="6" name="TextBox 5"/>
-          <p:cNvSpPr txBox="1"/>
-          <p:nvPr/>
-        </p:nvSpPr>
-        <p:spPr>
-          <a:xfrm>
-            <a:off x="7896200" y="2132857"/>
-            <a:ext cx="2771800" cy="646331"/>
-          </a:xfrm>
-          <a:prstGeom prst="rect">
-            <a:avLst/>
-          </a:prstGeom>
-          <a:noFill/>
-        </p:spPr>
-        <p:txBody>
-          <a:bodyPr wrap="square" rtlCol="0">
-            <a:spAutoFit/>
-          </a:bodyPr>
-          <a:lstStyle/>
-          <a:p>
-            <a:r>
-              <a:rPr lang="ru-RU" dirty="0"/>
-              <a:t>Вид сцены от источника света</a:t>
-            </a:r>
-          </a:p>
-        </p:txBody>
-      </p:sp>
-      <p:sp>
-        <p:nvSpPr>
-          <p:cNvPr id="7" name="TextBox 6"/>
-          <p:cNvSpPr txBox="1"/>
-          <p:nvPr/>
-        </p:nvSpPr>
-        <p:spPr>
-          <a:xfrm>
-            <a:off x="1524002" y="4005065"/>
-            <a:ext cx="2267743" cy="646331"/>
-          </a:xfrm>
-          <a:prstGeom prst="rect">
-            <a:avLst/>
-          </a:prstGeom>
-          <a:noFill/>
-        </p:spPr>
-        <p:txBody>
-          <a:bodyPr wrap="square" rtlCol="0">
-            <a:spAutoFit/>
-          </a:bodyPr>
-          <a:lstStyle/>
-          <a:p>
-            <a:r>
-              <a:rPr lang="ru-RU" dirty="0"/>
-              <a:t>Теневая карта – (светлее = глубже)</a:t>
-            </a:r>
-          </a:p>
-        </p:txBody>
-      </p:sp>
-      <p:sp>
-        <p:nvSpPr>
-          <p:cNvPr id="8" name="TextBox 7"/>
-          <p:cNvSpPr txBox="1"/>
-          <p:nvPr/>
-        </p:nvSpPr>
-        <p:spPr>
-          <a:xfrm>
-            <a:off x="7968209" y="3861049"/>
-            <a:ext cx="2267743" cy="1200329"/>
-          </a:xfrm>
-          <a:prstGeom prst="rect">
-            <a:avLst/>
-          </a:prstGeom>
-          <a:noFill/>
-        </p:spPr>
-        <p:txBody>
-          <a:bodyPr wrap="square" rtlCol="0">
-            <a:spAutoFit/>
-          </a:bodyPr>
-          <a:lstStyle/>
-          <a:p>
-            <a:r>
-              <a:rPr lang="ru-RU" dirty="0"/>
-              <a:t>Теневая карта , спроецированная на вид сцены с </a:t>
-            </a:r>
-            <a:r>
-              <a:rPr lang="ru-RU" dirty="0" err="1"/>
-              <a:t>т.з</a:t>
-            </a:r>
-            <a:r>
-              <a:rPr lang="ru-RU" dirty="0"/>
-              <a:t>. наблюдателя</a:t>
-            </a:r>
-          </a:p>
-        </p:txBody>
-      </p:sp>
-      <p:sp>
-        <p:nvSpPr>
-          <p:cNvPr id="9" name="TextBox 8"/>
-          <p:cNvSpPr txBox="1"/>
-          <p:nvPr/>
-        </p:nvSpPr>
-        <p:spPr>
-          <a:xfrm>
-            <a:off x="1775521" y="5373216"/>
-            <a:ext cx="2267743" cy="923330"/>
-          </a:xfrm>
-          <a:prstGeom prst="rect">
-            <a:avLst/>
-          </a:prstGeom>
-          <a:noFill/>
-        </p:spPr>
-        <p:txBody>
-          <a:bodyPr wrap="square" rtlCol="0">
-            <a:spAutoFit/>
-          </a:bodyPr>
-          <a:lstStyle/>
-          <a:p>
-            <a:r>
-              <a:rPr lang="ru-RU" dirty="0"/>
-              <a:t>Расстояние до источника света с </a:t>
-            </a:r>
-            <a:r>
-              <a:rPr lang="ru-RU" dirty="0" err="1"/>
-              <a:t>т.з</a:t>
-            </a:r>
-            <a:r>
-              <a:rPr lang="ru-RU" dirty="0"/>
-              <a:t>. наблюдателя</a:t>
-            </a:r>
-          </a:p>
-        </p:txBody>
-      </p:sp>
-      <p:sp>
-        <p:nvSpPr>
-          <p:cNvPr id="10" name="TextBox 9"/>
-          <p:cNvSpPr txBox="1"/>
-          <p:nvPr/>
-        </p:nvSpPr>
-        <p:spPr>
-          <a:xfrm>
-            <a:off x="8040216" y="5229200"/>
-            <a:ext cx="2627784" cy="1477328"/>
-          </a:xfrm>
-          <a:prstGeom prst="rect">
-            <a:avLst/>
-          </a:prstGeom>
-          <a:noFill/>
-        </p:spPr>
-        <p:txBody>
-          <a:bodyPr wrap="square" rtlCol="0">
-            <a:spAutoFit/>
-          </a:bodyPr>
-          <a:lstStyle/>
-          <a:p>
-            <a:r>
-              <a:rPr lang="ru-RU" dirty="0"/>
-              <a:t>Сцена, построенная с учетом сравнения глубины двух предыдущих изображений</a:t>
-            </a:r>
-          </a:p>
-        </p:txBody>
-      </p:sp>
-    </p:spTree>
-  </p:cSld>
-  <p:clrMapOvr>
-    <a:masterClrMapping/>
-  </p:clrMapOvr>
 </p:sld>
 </file>
 
@@ -26416,6 +26607,273 @@
 </file>
 
 <file path=ppt/slides/slide40.xml><?xml version="1.0" encoding="utf-8"?>
+<p:sld xmlns:a="http://schemas.openxmlformats.org/drawingml/2006/main" xmlns:r="http://schemas.openxmlformats.org/officeDocument/2006/relationships" xmlns:p="http://schemas.openxmlformats.org/presentationml/2006/main">
+  <p:cSld>
+    <p:spTree>
+      <p:nvGrpSpPr>
+        <p:cNvPr id="1" name=""/>
+        <p:cNvGrpSpPr/>
+        <p:nvPr/>
+      </p:nvGrpSpPr>
+      <p:grpSpPr>
+        <a:xfrm>
+          <a:off x="0" y="0"/>
+          <a:ext cx="0" cy="0"/>
+          <a:chOff x="0" y="0"/>
+          <a:chExt cx="0" cy="0"/>
+        </a:xfrm>
+      </p:grpSpPr>
+      <p:sp>
+        <p:nvSpPr>
+          <p:cNvPr id="2" name="Заголовок 1"/>
+          <p:cNvSpPr>
+            <a:spLocks noGrp="1"/>
+          </p:cNvSpPr>
+          <p:nvPr>
+            <p:ph type="title"/>
+          </p:nvPr>
+        </p:nvSpPr>
+        <p:spPr/>
+        <p:txBody>
+          <a:bodyPr/>
+          <a:lstStyle/>
+          <a:p>
+            <a:endParaRPr lang="ru-RU"/>
+          </a:p>
+        </p:txBody>
+      </p:sp>
+      <p:pic>
+        <p:nvPicPr>
+          <p:cNvPr id="12290" name="Picture 2"/>
+          <p:cNvPicPr>
+            <a:picLocks noGrp="1" noChangeAspect="1" noChangeArrowheads="1"/>
+          </p:cNvPicPr>
+          <p:nvPr>
+            <p:ph idx="1"/>
+          </p:nvPr>
+        </p:nvPicPr>
+        <p:blipFill>
+          <a:blip r:embed="rId2" cstate="print"/>
+          <a:stretch>
+            <a:fillRect/>
+          </a:stretch>
+        </p:blipFill>
+        <p:spPr bwMode="auto">
+          <a:xfrm>
+            <a:off x="4640905" y="1825625"/>
+            <a:ext cx="2910189" cy="4351338"/>
+          </a:xfrm>
+          <a:prstGeom prst="rect">
+            <a:avLst/>
+          </a:prstGeom>
+          <a:noFill/>
+          <a:ln w="9525">
+            <a:noFill/>
+            <a:miter lim="800000"/>
+            <a:headEnd/>
+            <a:tailEnd/>
+          </a:ln>
+        </p:spPr>
+      </p:pic>
+      <p:sp>
+        <p:nvSpPr>
+          <p:cNvPr id="5" name="TextBox 4"/>
+          <p:cNvSpPr txBox="1"/>
+          <p:nvPr/>
+        </p:nvSpPr>
+        <p:spPr>
+          <a:xfrm>
+            <a:off x="1524001" y="2132856"/>
+            <a:ext cx="2989665" cy="369332"/>
+          </a:xfrm>
+          <a:prstGeom prst="rect">
+            <a:avLst/>
+          </a:prstGeom>
+          <a:noFill/>
+        </p:spPr>
+        <p:txBody>
+          <a:bodyPr wrap="none" rtlCol="0">
+            <a:spAutoFit/>
+          </a:bodyPr>
+          <a:lstStyle/>
+          <a:p>
+            <a:r>
+              <a:rPr lang="ru-RU" dirty="0"/>
+              <a:t>Вид сцены от наблюдателя</a:t>
+            </a:r>
+          </a:p>
+        </p:txBody>
+      </p:sp>
+      <p:sp>
+        <p:nvSpPr>
+          <p:cNvPr id="6" name="TextBox 5"/>
+          <p:cNvSpPr txBox="1"/>
+          <p:nvPr/>
+        </p:nvSpPr>
+        <p:spPr>
+          <a:xfrm>
+            <a:off x="7896200" y="2132857"/>
+            <a:ext cx="2771800" cy="646331"/>
+          </a:xfrm>
+          <a:prstGeom prst="rect">
+            <a:avLst/>
+          </a:prstGeom>
+          <a:noFill/>
+        </p:spPr>
+        <p:txBody>
+          <a:bodyPr wrap="square" rtlCol="0">
+            <a:spAutoFit/>
+          </a:bodyPr>
+          <a:lstStyle/>
+          <a:p>
+            <a:r>
+              <a:rPr lang="ru-RU" dirty="0"/>
+              <a:t>Вид сцены от источника света</a:t>
+            </a:r>
+          </a:p>
+        </p:txBody>
+      </p:sp>
+      <p:sp>
+        <p:nvSpPr>
+          <p:cNvPr id="7" name="TextBox 6"/>
+          <p:cNvSpPr txBox="1"/>
+          <p:nvPr/>
+        </p:nvSpPr>
+        <p:spPr>
+          <a:xfrm>
+            <a:off x="1524002" y="4005065"/>
+            <a:ext cx="2267743" cy="646331"/>
+          </a:xfrm>
+          <a:prstGeom prst="rect">
+            <a:avLst/>
+          </a:prstGeom>
+          <a:noFill/>
+        </p:spPr>
+        <p:txBody>
+          <a:bodyPr wrap="square" rtlCol="0">
+            <a:spAutoFit/>
+          </a:bodyPr>
+          <a:lstStyle/>
+          <a:p>
+            <a:r>
+              <a:rPr lang="ru-RU" dirty="0"/>
+              <a:t>Теневая карта – (светлее = глубже)</a:t>
+            </a:r>
+          </a:p>
+        </p:txBody>
+      </p:sp>
+      <p:sp>
+        <p:nvSpPr>
+          <p:cNvPr id="8" name="TextBox 7"/>
+          <p:cNvSpPr txBox="1"/>
+          <p:nvPr/>
+        </p:nvSpPr>
+        <p:spPr>
+          <a:xfrm>
+            <a:off x="7968209" y="3861049"/>
+            <a:ext cx="2267743" cy="1200329"/>
+          </a:xfrm>
+          <a:prstGeom prst="rect">
+            <a:avLst/>
+          </a:prstGeom>
+          <a:noFill/>
+        </p:spPr>
+        <p:txBody>
+          <a:bodyPr wrap="square" rtlCol="0">
+            <a:spAutoFit/>
+          </a:bodyPr>
+          <a:lstStyle/>
+          <a:p>
+            <a:r>
+              <a:rPr lang="ru-RU" dirty="0"/>
+              <a:t>Теневая карта , спроецированная на вид сцены с </a:t>
+            </a:r>
+            <a:r>
+              <a:rPr lang="ru-RU" dirty="0" err="1"/>
+              <a:t>т.з</a:t>
+            </a:r>
+            <a:r>
+              <a:rPr lang="ru-RU" dirty="0"/>
+              <a:t>. наблюдателя</a:t>
+            </a:r>
+          </a:p>
+        </p:txBody>
+      </p:sp>
+      <p:sp>
+        <p:nvSpPr>
+          <p:cNvPr id="9" name="TextBox 8"/>
+          <p:cNvSpPr txBox="1"/>
+          <p:nvPr/>
+        </p:nvSpPr>
+        <p:spPr>
+          <a:xfrm>
+            <a:off x="1775521" y="5373216"/>
+            <a:ext cx="2267743" cy="923330"/>
+          </a:xfrm>
+          <a:prstGeom prst="rect">
+            <a:avLst/>
+          </a:prstGeom>
+          <a:noFill/>
+        </p:spPr>
+        <p:txBody>
+          <a:bodyPr wrap="square" rtlCol="0">
+            <a:spAutoFit/>
+          </a:bodyPr>
+          <a:lstStyle/>
+          <a:p>
+            <a:r>
+              <a:rPr lang="ru-RU" dirty="0"/>
+              <a:t>Расстояние до источника света с </a:t>
+            </a:r>
+            <a:r>
+              <a:rPr lang="ru-RU" dirty="0" err="1"/>
+              <a:t>т.з</a:t>
+            </a:r>
+            <a:r>
+              <a:rPr lang="ru-RU" dirty="0"/>
+              <a:t>. наблюдателя</a:t>
+            </a:r>
+          </a:p>
+        </p:txBody>
+      </p:sp>
+      <p:sp>
+        <p:nvSpPr>
+          <p:cNvPr id="10" name="TextBox 9"/>
+          <p:cNvSpPr txBox="1"/>
+          <p:nvPr/>
+        </p:nvSpPr>
+        <p:spPr>
+          <a:xfrm>
+            <a:off x="8040216" y="5229200"/>
+            <a:ext cx="2627784" cy="1477328"/>
+          </a:xfrm>
+          <a:prstGeom prst="rect">
+            <a:avLst/>
+          </a:prstGeom>
+          <a:noFill/>
+        </p:spPr>
+        <p:txBody>
+          <a:bodyPr wrap="square" rtlCol="0">
+            <a:spAutoFit/>
+          </a:bodyPr>
+          <a:lstStyle/>
+          <a:p>
+            <a:r>
+              <a:rPr lang="ru-RU" dirty="0"/>
+              <a:t>Сцена, построенная с учетом сравнения глубины двух предыдущих изображений</a:t>
+            </a:r>
+          </a:p>
+        </p:txBody>
+      </p:sp>
+    </p:spTree>
+  </p:cSld>
+  <p:clrMapOvr>
+    <a:masterClrMapping/>
+  </p:clrMapOvr>
+</p:sld>
+</file>
+
+<file path=ppt/slides/slide41.xml><?xml version="1.0" encoding="utf-8"?>
 <p:sld xmlns:a="http://schemas.openxmlformats.org/drawingml/2006/main" xmlns:r="http://schemas.openxmlformats.org/officeDocument/2006/relationships" xmlns:p="http://schemas.openxmlformats.org/presentationml/2006/main">
   <p:cSld>
     <p:spTree>
@@ -27014,7 +27472,7 @@
 </p:sld>
 </file>
 
-<file path=ppt/slides/slide41.xml><?xml version="1.0" encoding="utf-8"?>
+<file path=ppt/slides/slide42.xml><?xml version="1.0" encoding="utf-8"?>
 <p:sld xmlns:a="http://schemas.openxmlformats.org/drawingml/2006/main" xmlns:r="http://schemas.openxmlformats.org/officeDocument/2006/relationships" xmlns:p="http://schemas.openxmlformats.org/presentationml/2006/main">
   <p:cSld>
     <p:spTree>
@@ -27394,7 +27852,7 @@
 </p:sld>
 </file>
 
-<file path=ppt/slides/slide42.xml><?xml version="1.0" encoding="utf-8"?>
+<file path=ppt/slides/slide43.xml><?xml version="1.0" encoding="utf-8"?>
 <p:sld xmlns:a="http://schemas.openxmlformats.org/drawingml/2006/main" xmlns:r="http://schemas.openxmlformats.org/officeDocument/2006/relationships" xmlns:p="http://schemas.openxmlformats.org/presentationml/2006/main">
   <p:cSld>
     <p:spTree>
@@ -27531,7 +27989,7 @@
 </p:sld>
 </file>
 
-<file path=ppt/slides/slide43.xml><?xml version="1.0" encoding="utf-8"?>
+<file path=ppt/slides/slide44.xml><?xml version="1.0" encoding="utf-8"?>
 <p:sld xmlns:a="http://schemas.openxmlformats.org/drawingml/2006/main" xmlns:r="http://schemas.openxmlformats.org/officeDocument/2006/relationships" xmlns:p="http://schemas.openxmlformats.org/presentationml/2006/main">
   <p:cSld>
     <p:spTree>
@@ -29321,7 +29779,7 @@
 </p:sld>
 </file>
 
-<file path=ppt/slides/slide44.xml><?xml version="1.0" encoding="utf-8"?>
+<file path=ppt/slides/slide45.xml><?xml version="1.0" encoding="utf-8"?>
 <p:sld xmlns:a="http://schemas.openxmlformats.org/drawingml/2006/main" xmlns:r="http://schemas.openxmlformats.org/officeDocument/2006/relationships" xmlns:p="http://schemas.openxmlformats.org/presentationml/2006/main">
   <p:cSld>
     <p:spTree>
@@ -29977,8 +30435,252 @@
 </p:sld>
 </file>
 
-<file path=ppt/slides/slide45.xml><?xml version="1.0" encoding="utf-8"?>
+<file path=ppt/slides/slide46.xml><?xml version="1.0" encoding="utf-8"?>
 <p:sld xmlns:a="http://schemas.openxmlformats.org/drawingml/2006/main" xmlns:r="http://schemas.openxmlformats.org/officeDocument/2006/relationships" xmlns:p="http://schemas.openxmlformats.org/presentationml/2006/main">
+  <p:cSld>
+    <p:spTree>
+      <p:nvGrpSpPr>
+        <p:cNvPr id="1" name=""/>
+        <p:cNvGrpSpPr/>
+        <p:nvPr/>
+      </p:nvGrpSpPr>
+      <p:grpSpPr>
+        <a:xfrm>
+          <a:off x="0" y="0"/>
+          <a:ext cx="0" cy="0"/>
+          <a:chOff x="0" y="0"/>
+          <a:chExt cx="0" cy="0"/>
+        </a:xfrm>
+      </p:grpSpPr>
+      <p:sp>
+        <p:nvSpPr>
+          <p:cNvPr id="2" name="Title 1">
+            <a:extLst>
+              <a:ext uri="{FF2B5EF4-FFF2-40B4-BE49-F238E27FC236}">
+                <a16:creationId xmlns:a16="http://schemas.microsoft.com/office/drawing/2014/main" id="{A78CA6FB-7B6F-1C92-AE47-9662E9B7C256}"/>
+              </a:ext>
+            </a:extLst>
+          </p:cNvPr>
+          <p:cNvSpPr>
+            <a:spLocks noGrp="1"/>
+          </p:cNvSpPr>
+          <p:nvPr>
+            <p:ph type="title"/>
+          </p:nvPr>
+        </p:nvSpPr>
+        <p:spPr/>
+        <p:txBody>
+          <a:bodyPr/>
+          <a:lstStyle/>
+          <a:p>
+            <a:r>
+              <a:rPr lang="ru-RU" dirty="0"/>
+              <a:t>Достоинства </a:t>
+            </a:r>
+            <a:r>
+              <a:rPr lang="en-US" dirty="0"/>
+              <a:t>Shadow Maps</a:t>
+            </a:r>
+          </a:p>
+        </p:txBody>
+      </p:sp>
+      <p:sp>
+        <p:nvSpPr>
+          <p:cNvPr id="3" name="Content Placeholder 2">
+            <a:extLst>
+              <a:ext uri="{FF2B5EF4-FFF2-40B4-BE49-F238E27FC236}">
+                <a16:creationId xmlns:a16="http://schemas.microsoft.com/office/drawing/2014/main" id="{87675E57-5DD5-9F44-E4AC-BAF76E127C7F}"/>
+              </a:ext>
+            </a:extLst>
+          </p:cNvPr>
+          <p:cNvSpPr>
+            <a:spLocks noGrp="1"/>
+          </p:cNvSpPr>
+          <p:nvPr>
+            <p:ph idx="1"/>
+          </p:nvPr>
+        </p:nvSpPr>
+        <p:spPr/>
+        <p:txBody>
+          <a:bodyPr/>
+          <a:lstStyle/>
+          <a:p>
+            <a:r>
+              <a:rPr lang="ru-RU" dirty="0"/>
+              <a:t>Не требует изменения геометрии сцены</a:t>
+            </a:r>
+          </a:p>
+          <a:p>
+            <a:r>
+              <a:rPr lang="ru-RU" dirty="0"/>
+              <a:t>Поддерживается </a:t>
+            </a:r>
+            <a:r>
+              <a:rPr lang="ru-RU" dirty="0" err="1"/>
+              <a:t>аппаратно</a:t>
+            </a:r>
+            <a:r>
+              <a:rPr lang="ru-RU" dirty="0"/>
+              <a:t> на современных видеокартах</a:t>
+            </a:r>
+          </a:p>
+          <a:p>
+            <a:r>
+              <a:rPr lang="ru-RU" dirty="0"/>
+              <a:t>Поддержка динамических объектов</a:t>
+            </a:r>
+          </a:p>
+          <a:p>
+            <a:r>
+              <a:rPr lang="ru-RU" dirty="0"/>
+              <a:t>Поддержка произвольно сложных сцен</a:t>
+            </a:r>
+          </a:p>
+          <a:p>
+            <a:r>
+              <a:rPr lang="ru-RU" dirty="0"/>
+              <a:t>Можно использовать для произвольных типов источников света</a:t>
+            </a:r>
+            <a:endParaRPr lang="en-US" dirty="0"/>
+          </a:p>
+        </p:txBody>
+      </p:sp>
+    </p:spTree>
+    <p:extLst>
+      <p:ext uri="{BB962C8B-B14F-4D97-AF65-F5344CB8AC3E}">
+        <p14:creationId xmlns:p14="http://schemas.microsoft.com/office/powerpoint/2010/main" val="1909689156"/>
+      </p:ext>
+    </p:extLst>
+  </p:cSld>
+  <p:clrMapOvr>
+    <a:masterClrMapping/>
+  </p:clrMapOvr>
+</p:sld>
+</file>
+
+<file path=ppt/slides/slide47.xml><?xml version="1.0" encoding="utf-8"?>
+<p:sld xmlns:a="http://schemas.openxmlformats.org/drawingml/2006/main" xmlns:r="http://schemas.openxmlformats.org/officeDocument/2006/relationships" xmlns:p="http://schemas.openxmlformats.org/presentationml/2006/main">
+  <p:cSld>
+    <p:spTree>
+      <p:nvGrpSpPr>
+        <p:cNvPr id="1" name=""/>
+        <p:cNvGrpSpPr/>
+        <p:nvPr/>
+      </p:nvGrpSpPr>
+      <p:grpSpPr>
+        <a:xfrm>
+          <a:off x="0" y="0"/>
+          <a:ext cx="0" cy="0"/>
+          <a:chOff x="0" y="0"/>
+          <a:chExt cx="0" cy="0"/>
+        </a:xfrm>
+      </p:grpSpPr>
+      <p:sp>
+        <p:nvSpPr>
+          <p:cNvPr id="2" name="Title 1">
+            <a:extLst>
+              <a:ext uri="{FF2B5EF4-FFF2-40B4-BE49-F238E27FC236}">
+                <a16:creationId xmlns:a16="http://schemas.microsoft.com/office/drawing/2014/main" id="{53B96D2F-5599-D1BB-1E0B-F34389BC5EB5}"/>
+              </a:ext>
+            </a:extLst>
+          </p:cNvPr>
+          <p:cNvSpPr>
+            <a:spLocks noGrp="1"/>
+          </p:cNvSpPr>
+          <p:nvPr>
+            <p:ph type="title"/>
+          </p:nvPr>
+        </p:nvSpPr>
+        <p:spPr/>
+        <p:txBody>
+          <a:bodyPr/>
+          <a:lstStyle/>
+          <a:p>
+            <a:r>
+              <a:rPr lang="ru-RU" dirty="0"/>
+              <a:t>Недостатки</a:t>
+            </a:r>
+            <a:endParaRPr lang="en-US" dirty="0"/>
+          </a:p>
+        </p:txBody>
+      </p:sp>
+      <p:sp>
+        <p:nvSpPr>
+          <p:cNvPr id="3" name="Content Placeholder 2">
+            <a:extLst>
+              <a:ext uri="{FF2B5EF4-FFF2-40B4-BE49-F238E27FC236}">
+                <a16:creationId xmlns:a16="http://schemas.microsoft.com/office/drawing/2014/main" id="{E17E0BD4-064A-CD41-0015-45E020674D08}"/>
+              </a:ext>
+            </a:extLst>
+          </p:cNvPr>
+          <p:cNvSpPr>
+            <a:spLocks noGrp="1"/>
+          </p:cNvSpPr>
+          <p:nvPr>
+            <p:ph idx="1"/>
+          </p:nvPr>
+        </p:nvSpPr>
+        <p:spPr/>
+        <p:txBody>
+          <a:bodyPr/>
+          <a:lstStyle/>
+          <a:p>
+            <a:r>
+              <a:rPr lang="ru-RU" dirty="0"/>
+              <a:t>Ступенчатые края из-за ограниченного разрешения теневых карт</a:t>
+            </a:r>
+          </a:p>
+          <a:p>
+            <a:r>
+              <a:rPr lang="ru-RU" dirty="0"/>
+              <a:t>«Эффект Питера Пэна»</a:t>
+            </a:r>
+          </a:p>
+          <a:p>
+            <a:pPr lvl="1"/>
+            <a:r>
+              <a:rPr lang="ru-RU" dirty="0"/>
+              <a:t>Тень отрывается от объекта из-за ошибок округления</a:t>
+            </a:r>
+          </a:p>
+          <a:p>
+            <a:r>
+              <a:rPr lang="ru-RU" dirty="0"/>
+              <a:t>Проблемы с </a:t>
+            </a:r>
+            <a:r>
+              <a:rPr lang="ru-RU" dirty="0" err="1"/>
+              <a:t>самозатенением</a:t>
+            </a:r>
+            <a:r>
+              <a:rPr lang="ru-RU" dirty="0"/>
+              <a:t> из-за ошибок округления</a:t>
+            </a:r>
+          </a:p>
+          <a:p>
+            <a:r>
+              <a:rPr lang="ru-RU" dirty="0"/>
+              <a:t>Неэффективность для большого количества источников света</a:t>
+            </a:r>
+            <a:endParaRPr lang="en-US" dirty="0"/>
+          </a:p>
+        </p:txBody>
+      </p:sp>
+    </p:spTree>
+    <p:extLst>
+      <p:ext uri="{BB962C8B-B14F-4D97-AF65-F5344CB8AC3E}">
+        <p14:creationId xmlns:p14="http://schemas.microsoft.com/office/powerpoint/2010/main" val="3382911994"/>
+      </p:ext>
+    </p:extLst>
+  </p:cSld>
+  <p:clrMapOvr>
+    <a:masterClrMapping/>
+  </p:clrMapOvr>
+</p:sld>
+</file>
+
+<file path=ppt/slides/slide48.xml><?xml version="1.0" encoding="utf-8"?>
+<p:sld xmlns:a="http://schemas.openxmlformats.org/drawingml/2006/main" xmlns:r="http://schemas.openxmlformats.org/officeDocument/2006/relationships" xmlns:p="http://schemas.openxmlformats.org/presentationml/2006/main" show="0">
   <p:cSld>
     <p:spTree>
       <p:nvGrpSpPr>
@@ -30029,7 +30731,7 @@
         <p:spPr/>
         <p:txBody>
           <a:bodyPr>
-            <a:normAutofit fontScale="92500" lnSpcReduction="10000"/>
+            <a:normAutofit/>
           </a:bodyPr>
           <a:lstStyle/>
           <a:p>
@@ -30084,7 +30786,21 @@
               </a:rPr>
               <a:t>Light Space Perspective Shadow Maps</a:t>
             </a:r>
+            <a:endParaRPr lang="ru-RU" dirty="0"/>
+          </a:p>
+          <a:p>
+            <a:r>
+              <a:rPr lang="ru-RU" dirty="0"/>
+              <a:t>Могут иметь резкие края</a:t>
+            </a:r>
             <a:endParaRPr lang="en-US" dirty="0"/>
+          </a:p>
+          <a:p>
+            <a:pPr lvl="1"/>
+            <a:r>
+              <a:rPr lang="ru-RU" dirty="0"/>
+              <a:t>Решения</a:t>
+            </a:r>
           </a:p>
           <a:p>
             <a:pPr lvl="2"/>
@@ -30092,49 +30808,25 @@
               <a:rPr lang="en-US" dirty="0">
                 <a:hlinkClick r:id="rId5"/>
               </a:rPr>
-              <a:t>Parallel-Split Shadow maps</a:t>
-            </a:r>
-            <a:endParaRPr lang="ru-RU" dirty="0"/>
-          </a:p>
-          <a:p>
-            <a:r>
-              <a:rPr lang="ru-RU" dirty="0"/>
-              <a:t>Могут иметь резкие края</a:t>
+              <a:t>Percentage Closer Filtering</a:t>
             </a:r>
             <a:endParaRPr lang="en-US" dirty="0"/>
           </a:p>
           <a:p>
-            <a:pPr lvl="1"/>
-            <a:r>
-              <a:rPr lang="ru-RU" dirty="0"/>
-              <a:t>Решения</a:t>
-            </a:r>
-          </a:p>
-          <a:p>
             <a:pPr lvl="2"/>
             <a:r>
-              <a:rPr lang="en-US" dirty="0">
+              <a:rPr lang="en-US" dirty="0" err="1">
                 <a:hlinkClick r:id="rId6"/>
               </a:rPr>
-              <a:t>Percentage Closer Filtering</a:t>
+              <a:t>Smothies</a:t>
             </a:r>
             <a:endParaRPr lang="en-US" dirty="0"/>
           </a:p>
           <a:p>
             <a:pPr lvl="2"/>
             <a:r>
-              <a:rPr lang="en-US" dirty="0" err="1">
+              <a:rPr lang="en-US" dirty="0">
                 <a:hlinkClick r:id="rId7"/>
-              </a:rPr>
-              <a:t>Smothies</a:t>
-            </a:r>
-            <a:endParaRPr lang="en-US" dirty="0"/>
-          </a:p>
-          <a:p>
-            <a:pPr lvl="2"/>
-            <a:r>
-              <a:rPr lang="en-US" dirty="0">
-                <a:hlinkClick r:id="rId8"/>
               </a:rPr>
               <a:t>Variance Shadow Maps</a:t>
             </a:r>
@@ -30151,7 +30843,7 @@
           <p:nvPr/>
         </p:nvPicPr>
         <p:blipFill>
-          <a:blip r:embed="rId9" cstate="print"/>
+          <a:blip r:embed="rId8" cstate="print"/>
           <a:srcRect/>
           <a:stretch>
             <a:fillRect/>
@@ -30183,7 +30875,7 @@
           <p:nvPr/>
         </p:nvPicPr>
         <p:blipFill>
-          <a:blip r:embed="rId10" cstate="print"/>
+          <a:blip r:embed="rId9" cstate="print"/>
           <a:srcRect/>
           <a:stretch>
             <a:fillRect/>
@@ -30216,7 +30908,7 @@
 </p:sld>
 </file>
 
-<file path=ppt/slides/slide46.xml><?xml version="1.0" encoding="utf-8"?>
+<file path=ppt/slides/slide49.xml><?xml version="1.0" encoding="utf-8"?>
 <p:sld xmlns:a="http://schemas.openxmlformats.org/drawingml/2006/main" xmlns:r="http://schemas.openxmlformats.org/officeDocument/2006/relationships" xmlns:p="http://schemas.openxmlformats.org/presentationml/2006/main">
   <p:cSld>
     <p:spTree>
@@ -30274,7 +30966,7 @@
               <a:rPr lang="en-US" dirty="0">
                 <a:hlinkClick r:id="rId2"/>
               </a:rPr>
-              <a:t>CG Shadow Volumes</a:t>
+              <a:t>Shadow volume</a:t>
             </a:r>
             <a:endParaRPr lang="en-US" dirty="0"/>
           </a:p>
@@ -30283,54 +30975,15 @@
               <a:rPr lang="en-US" dirty="0">
                 <a:hlinkClick r:id="rId3"/>
               </a:rPr>
-              <a:t>Shadow mapping and Shadow Volumes</a:t>
+              <a:t>Learn OpenGL. </a:t>
+            </a:r>
+            <a:r>
+              <a:rPr lang="ru-RU" dirty="0">
+                <a:hlinkClick r:id="rId3"/>
+              </a:rPr>
+              <a:t>Карты теней</a:t>
             </a:r>
             <a:endParaRPr lang="en-US" dirty="0"/>
-          </a:p>
-          <a:p>
-            <a:r>
-              <a:rPr lang="en-US" dirty="0">
-                <a:hlinkClick r:id="rId4"/>
-              </a:rPr>
-              <a:t>Hardware shadow mapping</a:t>
-            </a:r>
-            <a:endParaRPr lang="en-US" dirty="0"/>
-          </a:p>
-          <a:p>
-            <a:r>
-              <a:rPr lang="en-US" dirty="0">
-                <a:hlinkClick r:id="rId5"/>
-              </a:rPr>
-              <a:t>Practical and Robust Stenciled Shadow Volumes for Real-time rendering</a:t>
-            </a:r>
-            <a:endParaRPr lang="en-US" dirty="0"/>
-          </a:p>
-          <a:p>
-            <a:r>
-              <a:rPr lang="en-US" dirty="0">
-                <a:hlinkClick r:id="rId6"/>
-              </a:rPr>
-              <a:t>Approximate soft Shadows on Arbitrary Surfaces</a:t>
-            </a:r>
-            <a:endParaRPr lang="en-US" dirty="0"/>
-          </a:p>
-          <a:p>
-            <a:r>
-              <a:rPr lang="en-US" dirty="0">
-                <a:hlinkClick r:id="rId7"/>
-              </a:rPr>
-              <a:t>Shadow volume</a:t>
-            </a:r>
-            <a:endParaRPr lang="en-US" dirty="0"/>
-          </a:p>
-          <a:p>
-            <a:r>
-              <a:rPr lang="en-US" dirty="0">
-                <a:hlinkClick r:id="rId8"/>
-              </a:rPr>
-              <a:t>Shadow volume</a:t>
-            </a:r>
-            <a:endParaRPr lang="ru-RU" dirty="0"/>
           </a:p>
         </p:txBody>
       </p:sp>
